--- a/2019-04-11_presentation.pptx
+++ b/2019-04-11_presentation.pptx
@@ -5,7 +5,7 @@
     <p:sldMasterId id="2147483648" r:id="rId1"/>
   </p:sldMasterIdLst>
   <p:notesMasterIdLst>
-    <p:notesMasterId r:id="rId19"/>
+    <p:notesMasterId r:id="rId24"/>
   </p:notesMasterIdLst>
   <p:sldIdLst>
     <p:sldId id="256" r:id="rId2"/>
@@ -13,18 +13,23 @@
     <p:sldId id="259" r:id="rId4"/>
     <p:sldId id="268" r:id="rId5"/>
     <p:sldId id="267" r:id="rId6"/>
-    <p:sldId id="269" r:id="rId7"/>
-    <p:sldId id="270" r:id="rId8"/>
-    <p:sldId id="271" r:id="rId9"/>
-    <p:sldId id="260" r:id="rId10"/>
-    <p:sldId id="272" r:id="rId11"/>
-    <p:sldId id="262" r:id="rId12"/>
-    <p:sldId id="273" r:id="rId13"/>
-    <p:sldId id="275" r:id="rId14"/>
-    <p:sldId id="274" r:id="rId15"/>
-    <p:sldId id="264" r:id="rId16"/>
-    <p:sldId id="265" r:id="rId17"/>
-    <p:sldId id="266" r:id="rId18"/>
+    <p:sldId id="321" r:id="rId7"/>
+    <p:sldId id="269" r:id="rId8"/>
+    <p:sldId id="270" r:id="rId9"/>
+    <p:sldId id="271" r:id="rId10"/>
+    <p:sldId id="322" r:id="rId11"/>
+    <p:sldId id="260" r:id="rId12"/>
+    <p:sldId id="272" r:id="rId13"/>
+    <p:sldId id="262" r:id="rId14"/>
+    <p:sldId id="273" r:id="rId15"/>
+    <p:sldId id="276" r:id="rId16"/>
+    <p:sldId id="275" r:id="rId17"/>
+    <p:sldId id="274" r:id="rId18"/>
+    <p:sldId id="280" r:id="rId19"/>
+    <p:sldId id="277" r:id="rId20"/>
+    <p:sldId id="278" r:id="rId21"/>
+    <p:sldId id="279" r:id="rId22"/>
+    <p:sldId id="266" r:id="rId23"/>
   </p:sldIdLst>
   <p:sldSz cx="12192000" cy="6858000"/>
   <p:notesSz cx="6858000" cy="9144000"/>
@@ -559,6 +564,90 @@
 </p:notes>
 </file>
 
+<file path=ppt/notesSlides/notesSlide10.xml><?xml version="1.0" encoding="utf-8"?>
+<p:notes xmlns:a="http://schemas.openxmlformats.org/drawingml/2006/main" xmlns:r="http://schemas.openxmlformats.org/officeDocument/2006/relationships" xmlns:p="http://schemas.openxmlformats.org/presentationml/2006/main">
+  <p:cSld>
+    <p:spTree>
+      <p:nvGrpSpPr>
+        <p:cNvPr id="1" name=""/>
+        <p:cNvGrpSpPr/>
+        <p:nvPr/>
+      </p:nvGrpSpPr>
+      <p:grpSpPr>
+        <a:xfrm>
+          <a:off x="0" y="0"/>
+          <a:ext cx="0" cy="0"/>
+          <a:chOff x="0" y="0"/>
+          <a:chExt cx="0" cy="0"/>
+        </a:xfrm>
+      </p:grpSpPr>
+      <p:sp>
+        <p:nvSpPr>
+          <p:cNvPr id="2" name="Slide Image Placeholder 1"/>
+          <p:cNvSpPr>
+            <a:spLocks noGrp="1" noRot="1" noChangeAspect="1"/>
+          </p:cNvSpPr>
+          <p:nvPr>
+            <p:ph type="sldImg"/>
+          </p:nvPr>
+        </p:nvSpPr>
+        <p:spPr/>
+      </p:sp>
+      <p:sp>
+        <p:nvSpPr>
+          <p:cNvPr id="3" name="Notes Placeholder 2"/>
+          <p:cNvSpPr>
+            <a:spLocks noGrp="1"/>
+          </p:cNvSpPr>
+          <p:nvPr>
+            <p:ph type="body" idx="1"/>
+          </p:nvPr>
+        </p:nvSpPr>
+        <p:spPr/>
+        <p:txBody>
+          <a:bodyPr/>
+          <a:lstStyle/>
+          <a:p>
+            <a:endParaRPr lang="en-US" dirty="0"/>
+          </a:p>
+        </p:txBody>
+      </p:sp>
+      <p:sp>
+        <p:nvSpPr>
+          <p:cNvPr id="4" name="Slide Number Placeholder 3"/>
+          <p:cNvSpPr>
+            <a:spLocks noGrp="1"/>
+          </p:cNvSpPr>
+          <p:nvPr>
+            <p:ph type="sldNum" sz="quarter" idx="5"/>
+          </p:nvPr>
+        </p:nvSpPr>
+        <p:spPr/>
+        <p:txBody>
+          <a:bodyPr/>
+          <a:lstStyle/>
+          <a:p>
+            <a:fld id="{1BD3BC95-E1EA-0F4F-B5DA-99C71E61D0E0}" type="slidenum">
+              <a:rPr lang="en-US" smtClean="0"/>
+              <a:t>19</a:t>
+            </a:fld>
+            <a:endParaRPr lang="en-US"/>
+          </a:p>
+        </p:txBody>
+      </p:sp>
+    </p:spTree>
+    <p:extLst>
+      <p:ext uri="{BB962C8B-B14F-4D97-AF65-F5344CB8AC3E}">
+        <p14:creationId xmlns:p14="http://schemas.microsoft.com/office/powerpoint/2010/main" val="1438919144"/>
+      </p:ext>
+    </p:extLst>
+  </p:cSld>
+  <p:clrMapOvr>
+    <a:masterClrMapping/>
+  </p:clrMapOvr>
+</p:notes>
+</file>
+
 <file path=ppt/notesSlides/notesSlide2.xml><?xml version="1.0" encoding="utf-8"?>
 <p:notes xmlns:a="http://schemas.openxmlformats.org/drawingml/2006/main" xmlns:r="http://schemas.openxmlformats.org/officeDocument/2006/relationships" xmlns:p="http://schemas.openxmlformats.org/presentationml/2006/main">
   <p:cSld>
@@ -894,7 +983,401 @@
           <a:bodyPr/>
           <a:lstStyle/>
           <a:p>
-            <a:endParaRPr lang="en-US"/>
+            <a:pPr marL="171450" indent="-171450">
+              <a:buFont typeface="Arial" panose="020B0604020202020204" pitchFamily="34" charset="0"/>
+              <a:buChar char="•"/>
+            </a:pPr>
+            <a:r>
+              <a:rPr lang="en-US" sz="1200" kern="1200" dirty="0">
+                <a:solidFill>
+                  <a:schemeClr val="tx1"/>
+                </a:solidFill>
+                <a:effectLst/>
+                <a:latin typeface="+mn-lt"/>
+                <a:ea typeface="+mn-ea"/>
+                <a:cs typeface="+mn-cs"/>
+              </a:rPr>
+              <a:t>In attempting to assess the “exactness” of a rhyme with computational assistance, the Leventhal edit distance between strings from phonetic renderings of words provides a useful beginning. Observation suggests that substitution edits are by far the most common and naturalized sort of “inexactness” to be found in classic nineteenth-century poetry, in the vein of </a:t>
+            </a:r>
+            <a:r>
+              <a:rPr lang="en-US" sz="1200" i="1" kern="1200" dirty="0" err="1">
+                <a:solidFill>
+                  <a:schemeClr val="tx1"/>
+                </a:solidFill>
+                <a:effectLst/>
+                <a:latin typeface="+mn-lt"/>
+                <a:ea typeface="+mn-ea"/>
+                <a:cs typeface="+mn-cs"/>
+              </a:rPr>
+              <a:t>ljublju</a:t>
+            </a:r>
+            <a:r>
+              <a:rPr lang="en-US" sz="1200" kern="1200" dirty="0">
+                <a:solidFill>
+                  <a:schemeClr val="tx1"/>
+                </a:solidFill>
+                <a:effectLst/>
+                <a:latin typeface="+mn-lt"/>
+                <a:ea typeface="+mn-ea"/>
+                <a:cs typeface="+mn-cs"/>
+              </a:rPr>
+              <a:t> ~ </a:t>
+            </a:r>
+            <a:r>
+              <a:rPr lang="en-US" sz="1200" i="1" kern="1200" dirty="0" err="1">
+                <a:solidFill>
+                  <a:schemeClr val="tx1"/>
+                </a:solidFill>
+                <a:effectLst/>
+                <a:latin typeface="+mn-lt"/>
+                <a:ea typeface="+mn-ea"/>
+                <a:cs typeface="+mn-cs"/>
+              </a:rPr>
+              <a:t>moju</a:t>
+            </a:r>
+            <a:r>
+              <a:rPr lang="en-US" sz="1200" kern="1200" dirty="0">
+                <a:solidFill>
+                  <a:schemeClr val="tx1"/>
+                </a:solidFill>
+                <a:effectLst/>
+                <a:latin typeface="+mn-lt"/>
+                <a:ea typeface="+mn-ea"/>
+                <a:cs typeface="+mn-cs"/>
+              </a:rPr>
+              <a:t> (I love ~ my), where palatalized ‘l’ is substituted by ‘j’. Paired words can also end with sound patterns within a short edit distance of another kind, such as insertion. Insertion raises the issue that not all edits are equally easy to naturalize: the insertion of a ‘t’ sound in </a:t>
+            </a:r>
+            <a:r>
+              <a:rPr lang="en-US" sz="1200" i="1" kern="1200" dirty="0" err="1">
+                <a:solidFill>
+                  <a:schemeClr val="tx1"/>
+                </a:solidFill>
+                <a:effectLst/>
+                <a:latin typeface="+mn-lt"/>
+                <a:ea typeface="+mn-ea"/>
+                <a:cs typeface="+mn-cs"/>
+              </a:rPr>
+              <a:t>prosak</a:t>
+            </a:r>
+            <a:r>
+              <a:rPr lang="en-US" sz="1200" kern="1200" dirty="0">
+                <a:solidFill>
+                  <a:schemeClr val="tx1"/>
+                </a:solidFill>
+                <a:effectLst/>
+                <a:latin typeface="+mn-lt"/>
+                <a:ea typeface="+mn-ea"/>
+                <a:cs typeface="+mn-cs"/>
+              </a:rPr>
+              <a:t> ~ </a:t>
+            </a:r>
+            <a:r>
+              <a:rPr lang="en-US" sz="1200" i="1" kern="1200" dirty="0" err="1">
+                <a:solidFill>
+                  <a:schemeClr val="tx1"/>
+                </a:solidFill>
+                <a:effectLst/>
+                <a:latin typeface="+mn-lt"/>
+                <a:ea typeface="+mn-ea"/>
+                <a:cs typeface="+mn-cs"/>
+              </a:rPr>
+              <a:t>prostak</a:t>
+            </a:r>
+            <a:r>
+              <a:rPr lang="en-US" sz="1200" kern="1200" dirty="0">
+                <a:solidFill>
+                  <a:schemeClr val="tx1"/>
+                </a:solidFill>
+                <a:effectLst/>
+                <a:latin typeface="+mn-lt"/>
+                <a:ea typeface="+mn-ea"/>
+                <a:cs typeface="+mn-cs"/>
+              </a:rPr>
+              <a:t> differs significantly from the insertion of ‘o’ in </a:t>
+            </a:r>
+            <a:r>
+              <a:rPr lang="en-US" sz="1200" i="1" kern="1200" dirty="0" err="1">
+                <a:solidFill>
+                  <a:schemeClr val="tx1"/>
+                </a:solidFill>
+                <a:effectLst/>
+                <a:latin typeface="+mn-lt"/>
+                <a:ea typeface="+mn-ea"/>
+                <a:cs typeface="+mn-cs"/>
+              </a:rPr>
+              <a:t>goroda</a:t>
+            </a:r>
+            <a:r>
+              <a:rPr lang="en-US" sz="1200" i="1" kern="1200" dirty="0">
+                <a:solidFill>
+                  <a:schemeClr val="tx1"/>
+                </a:solidFill>
+                <a:effectLst/>
+                <a:latin typeface="+mn-lt"/>
+                <a:ea typeface="+mn-ea"/>
+                <a:cs typeface="+mn-cs"/>
+              </a:rPr>
+              <a:t> ~ </a:t>
+            </a:r>
+            <a:r>
+              <a:rPr lang="en-US" sz="1200" i="1" kern="1200" dirty="0" err="1">
+                <a:solidFill>
+                  <a:schemeClr val="tx1"/>
+                </a:solidFill>
+                <a:effectLst/>
+                <a:latin typeface="+mn-lt"/>
+                <a:ea typeface="+mn-ea"/>
+                <a:cs typeface="+mn-cs"/>
+              </a:rPr>
+              <a:t>morda</a:t>
+            </a:r>
+            <a:r>
+              <a:rPr lang="en-US" sz="1200" kern="1200" dirty="0">
+                <a:solidFill>
+                  <a:schemeClr val="tx1"/>
+                </a:solidFill>
+                <a:effectLst/>
+                <a:latin typeface="+mn-lt"/>
+                <a:ea typeface="+mn-ea"/>
+                <a:cs typeface="+mn-cs"/>
+              </a:rPr>
+              <a:t>, changing the syllabicity of the sounds. Observed pairs can have a longer edit distance, as in </a:t>
+            </a:r>
+            <a:r>
+              <a:rPr lang="en-US" sz="1200" i="1" kern="1200" dirty="0" err="1">
+                <a:solidFill>
+                  <a:schemeClr val="tx1"/>
+                </a:solidFill>
+                <a:effectLst/>
+                <a:latin typeface="+mn-lt"/>
+                <a:ea typeface="+mn-ea"/>
+                <a:cs typeface="+mn-cs"/>
+              </a:rPr>
+              <a:t>čerdak</a:t>
+            </a:r>
+            <a:r>
+              <a:rPr lang="en-US" sz="1200" i="1" kern="1200" dirty="0">
+                <a:solidFill>
+                  <a:schemeClr val="tx1"/>
+                </a:solidFill>
+                <a:effectLst/>
+                <a:latin typeface="+mn-lt"/>
+                <a:ea typeface="+mn-ea"/>
+                <a:cs typeface="+mn-cs"/>
+              </a:rPr>
+              <a:t> ~ </a:t>
+            </a:r>
+            <a:r>
+              <a:rPr lang="en-US" sz="1200" i="1" kern="1200" dirty="0" err="1">
+                <a:solidFill>
+                  <a:schemeClr val="tx1"/>
+                </a:solidFill>
+                <a:effectLst/>
+                <a:latin typeface="+mn-lt"/>
+                <a:ea typeface="+mn-ea"/>
+                <a:cs typeface="+mn-cs"/>
+              </a:rPr>
+              <a:t>čexarda</a:t>
+            </a:r>
+            <a:r>
+              <a:rPr lang="en-US" sz="1200" kern="1200" dirty="0">
+                <a:solidFill>
+                  <a:schemeClr val="tx1"/>
+                </a:solidFill>
+                <a:effectLst/>
+                <a:latin typeface="+mn-lt"/>
+                <a:ea typeface="+mn-ea"/>
+                <a:cs typeface="+mn-cs"/>
+              </a:rPr>
+              <a:t>, or extend the range of the matching sounds to before the final stressed vowel, as in </a:t>
+            </a:r>
+            <a:r>
+              <a:rPr lang="en-US" sz="1200" i="1" kern="1200" dirty="0" err="1">
+                <a:solidFill>
+                  <a:schemeClr val="tx1"/>
+                </a:solidFill>
+                <a:effectLst/>
+                <a:latin typeface="+mn-lt"/>
+                <a:ea typeface="+mn-ea"/>
+                <a:cs typeface="+mn-cs"/>
+              </a:rPr>
+              <a:t>skol′ko</a:t>
+            </a:r>
+            <a:r>
+              <a:rPr lang="en-US" sz="1200" i="1" kern="1200" dirty="0">
+                <a:solidFill>
+                  <a:schemeClr val="tx1"/>
+                </a:solidFill>
+                <a:effectLst/>
+                <a:latin typeface="+mn-lt"/>
+                <a:ea typeface="+mn-ea"/>
+                <a:cs typeface="+mn-cs"/>
+              </a:rPr>
+              <a:t> </a:t>
+            </a:r>
+            <a:r>
+              <a:rPr lang="en-US" sz="1200" i="1" kern="1200" dirty="0" err="1">
+                <a:solidFill>
+                  <a:schemeClr val="tx1"/>
+                </a:solidFill>
+                <a:effectLst/>
+                <a:latin typeface="+mn-lt"/>
+                <a:ea typeface="+mn-ea"/>
+                <a:cs typeface="+mn-cs"/>
+              </a:rPr>
+              <a:t>im</a:t>
+            </a:r>
+            <a:r>
+              <a:rPr lang="en-US" sz="1200" i="1" kern="1200" dirty="0">
+                <a:solidFill>
+                  <a:schemeClr val="tx1"/>
+                </a:solidFill>
+                <a:effectLst/>
+                <a:latin typeface="+mn-lt"/>
+                <a:ea typeface="+mn-ea"/>
+                <a:cs typeface="+mn-cs"/>
+              </a:rPr>
+              <a:t> ~ </a:t>
+            </a:r>
+            <a:r>
+              <a:rPr lang="en-US" sz="1200" i="1" kern="1200" dirty="0" err="1">
+                <a:solidFill>
+                  <a:schemeClr val="tx1"/>
+                </a:solidFill>
+                <a:effectLst/>
+                <a:latin typeface="+mn-lt"/>
+                <a:ea typeface="+mn-ea"/>
+                <a:cs typeface="+mn-cs"/>
+              </a:rPr>
+              <a:t>kokain</a:t>
+            </a:r>
+            <a:r>
+              <a:rPr lang="en-US" sz="1200" kern="1200" dirty="0">
+                <a:solidFill>
+                  <a:schemeClr val="tx1"/>
+                </a:solidFill>
+                <a:effectLst/>
+                <a:latin typeface="+mn-lt"/>
+                <a:ea typeface="+mn-ea"/>
+                <a:cs typeface="+mn-cs"/>
+              </a:rPr>
+              <a:t>. Finally, while most rhymes, however loose, can be analyzed based on a shared final stressed vowel sound, dissonance is a possibility that presents the biggest challenge to computationally aided identification that the programmer-authors currently want even to consider.</a:t>
+            </a:r>
+          </a:p>
+          <a:p>
+            <a:pPr marL="171450" indent="-171450">
+              <a:buFont typeface="Arial" panose="020B0604020202020204" pitchFamily="34" charset="0"/>
+              <a:buChar char="•"/>
+            </a:pPr>
+            <a:r>
+              <a:rPr lang="en-US" sz="1200" kern="1200" dirty="0">
+                <a:solidFill>
+                  <a:schemeClr val="tx1"/>
+                </a:solidFill>
+                <a:effectLst/>
+                <a:latin typeface="+mn-lt"/>
+                <a:ea typeface="+mn-ea"/>
+                <a:cs typeface="+mn-cs"/>
+              </a:rPr>
+              <a:t>While a useful start, the edit distance between the strings of rough phonetic renderings does not entirely account for the range of difference that can be found in rhyme. For the purposes of accounting for the difference between </a:t>
+            </a:r>
+            <a:r>
+              <a:rPr lang="en-US" sz="1200" i="1" kern="1200" dirty="0" err="1">
+                <a:solidFill>
+                  <a:schemeClr val="tx1"/>
+                </a:solidFill>
+                <a:effectLst/>
+                <a:latin typeface="+mn-lt"/>
+                <a:ea typeface="+mn-ea"/>
+                <a:cs typeface="+mn-cs"/>
+              </a:rPr>
+              <a:t>ljublju</a:t>
+            </a:r>
+            <a:r>
+              <a:rPr lang="en-US" sz="1200" kern="1200" dirty="0">
+                <a:solidFill>
+                  <a:schemeClr val="tx1"/>
+                </a:solidFill>
+                <a:effectLst/>
+                <a:latin typeface="+mn-lt"/>
+                <a:ea typeface="+mn-ea"/>
+                <a:cs typeface="+mn-cs"/>
+              </a:rPr>
+              <a:t> ~ </a:t>
+            </a:r>
+            <a:r>
+              <a:rPr lang="en-US" sz="1200" i="1" kern="1200" dirty="0" err="1">
+                <a:solidFill>
+                  <a:schemeClr val="tx1"/>
+                </a:solidFill>
+                <a:effectLst/>
+                <a:latin typeface="+mn-lt"/>
+                <a:ea typeface="+mn-ea"/>
+                <a:cs typeface="+mn-cs"/>
+              </a:rPr>
+              <a:t>moju</a:t>
+            </a:r>
+            <a:r>
+              <a:rPr lang="en-US" sz="1200" kern="1200" dirty="0">
+                <a:solidFill>
+                  <a:schemeClr val="tx1"/>
+                </a:solidFill>
+                <a:effectLst/>
+                <a:latin typeface="+mn-lt"/>
+                <a:ea typeface="+mn-ea"/>
+                <a:cs typeface="+mn-cs"/>
+              </a:rPr>
+              <a:t> and a hypothetical </a:t>
+            </a:r>
+            <a:r>
+              <a:rPr lang="en-US" sz="1200" i="1" kern="1200" dirty="0" err="1">
+                <a:solidFill>
+                  <a:schemeClr val="tx1"/>
+                </a:solidFill>
+                <a:effectLst/>
+                <a:latin typeface="+mn-lt"/>
+                <a:ea typeface="+mn-ea"/>
+                <a:cs typeface="+mn-cs"/>
+              </a:rPr>
+              <a:t>ljublju</a:t>
+            </a:r>
+            <a:r>
+              <a:rPr lang="en-US" sz="1200" i="1" kern="1200" dirty="0">
+                <a:solidFill>
+                  <a:schemeClr val="tx1"/>
+                </a:solidFill>
+                <a:effectLst/>
+                <a:latin typeface="+mn-lt"/>
+                <a:ea typeface="+mn-ea"/>
+                <a:cs typeface="+mn-cs"/>
+              </a:rPr>
+              <a:t> ~ </a:t>
+            </a:r>
+            <a:r>
+              <a:rPr lang="en-US" sz="1200" i="1" kern="1200" dirty="0" err="1">
+                <a:solidFill>
+                  <a:schemeClr val="tx1"/>
+                </a:solidFill>
+                <a:effectLst/>
+                <a:latin typeface="+mn-lt"/>
+                <a:ea typeface="+mn-ea"/>
+                <a:cs typeface="+mn-cs"/>
+              </a:rPr>
+              <a:t>mogu</a:t>
+            </a:r>
+            <a:r>
+              <a:rPr lang="en-US" sz="1200" kern="1200" dirty="0">
+                <a:solidFill>
+                  <a:schemeClr val="tx1"/>
+                </a:solidFill>
+                <a:effectLst/>
+                <a:latin typeface="+mn-lt"/>
+                <a:ea typeface="+mn-ea"/>
+                <a:cs typeface="+mn-cs"/>
+              </a:rPr>
+              <a:t> (also an edit distance of substituting one phoneme for another, but much more jarring), the phonemes of the phonetic rendering are decomposed into their distinctive features. </a:t>
+            </a:r>
+            <a:endParaRPr lang="en-US" dirty="0"/>
           </a:p>
         </p:txBody>
       </p:sp>
@@ -905,7 +1388,7 @@
             <a:spLocks noGrp="1"/>
           </p:cNvSpPr>
           <p:nvPr>
-            <p:ph type="sldNum" sz="quarter" idx="5"/>
+            <p:ph type="sldNum" sz="quarter" idx="10"/>
           </p:nvPr>
         </p:nvSpPr>
         <p:spPr/>
@@ -913,9 +1396,9 @@
           <a:bodyPr/>
           <a:lstStyle/>
           <a:p>
-            <a:fld id="{1BD3BC95-E1EA-0F4F-B5DA-99C71E61D0E0}" type="slidenum">
+            <a:fld id="{EB3BC243-65AC-417D-B1E1-3FD3C6B9414B}" type="slidenum">
               <a:rPr lang="en-US" smtClean="0"/>
-              <a:t>9</a:t>
+              <a:t>6</a:t>
             </a:fld>
             <a:endParaRPr lang="en-US"/>
           </a:p>
@@ -924,7 +1407,7 @@
     </p:spTree>
     <p:extLst>
       <p:ext uri="{BB962C8B-B14F-4D97-AF65-F5344CB8AC3E}">
-        <p14:creationId xmlns:p14="http://schemas.microsoft.com/office/powerpoint/2010/main" val="672813629"/>
+        <p14:creationId xmlns:p14="http://schemas.microsoft.com/office/powerpoint/2010/main" val="1967143985"/>
       </p:ext>
     </p:extLst>
   </p:cSld>
@@ -1008,7 +1491,7 @@
     </p:spTree>
     <p:extLst>
       <p:ext uri="{BB962C8B-B14F-4D97-AF65-F5344CB8AC3E}">
-        <p14:creationId xmlns:p14="http://schemas.microsoft.com/office/powerpoint/2010/main" val="1903259001"/>
+        <p14:creationId xmlns:p14="http://schemas.microsoft.com/office/powerpoint/2010/main" val="672813629"/>
       </p:ext>
     </p:extLst>
   </p:cSld>
@@ -1083,7 +1566,7 @@
           <a:p>
             <a:fld id="{1BD3BC95-E1EA-0F4F-B5DA-99C71E61D0E0}" type="slidenum">
               <a:rPr lang="en-US" smtClean="0"/>
-              <a:t>15</a:t>
+              <a:t>13</a:t>
             </a:fld>
             <a:endParaRPr lang="en-US"/>
           </a:p>
@@ -1092,7 +1575,7 @@
     </p:spTree>
     <p:extLst>
       <p:ext uri="{BB962C8B-B14F-4D97-AF65-F5344CB8AC3E}">
-        <p14:creationId xmlns:p14="http://schemas.microsoft.com/office/powerpoint/2010/main" val="1506961990"/>
+        <p14:creationId xmlns:p14="http://schemas.microsoft.com/office/powerpoint/2010/main" val="1903259001"/>
       </p:ext>
     </p:extLst>
   </p:cSld>
@@ -1167,6 +1650,90 @@
           <a:p>
             <a:fld id="{1BD3BC95-E1EA-0F4F-B5DA-99C71E61D0E0}" type="slidenum">
               <a:rPr lang="en-US" smtClean="0"/>
+              <a:t>14</a:t>
+            </a:fld>
+            <a:endParaRPr lang="en-US"/>
+          </a:p>
+        </p:txBody>
+      </p:sp>
+    </p:spTree>
+    <p:extLst>
+      <p:ext uri="{BB962C8B-B14F-4D97-AF65-F5344CB8AC3E}">
+        <p14:creationId xmlns:p14="http://schemas.microsoft.com/office/powerpoint/2010/main" val="2689837041"/>
+      </p:ext>
+    </p:extLst>
+  </p:cSld>
+  <p:clrMapOvr>
+    <a:masterClrMapping/>
+  </p:clrMapOvr>
+</p:notes>
+</file>
+
+<file path=ppt/notesSlides/notesSlide9.xml><?xml version="1.0" encoding="utf-8"?>
+<p:notes xmlns:a="http://schemas.openxmlformats.org/drawingml/2006/main" xmlns:r="http://schemas.openxmlformats.org/officeDocument/2006/relationships" xmlns:p="http://schemas.openxmlformats.org/presentationml/2006/main">
+  <p:cSld>
+    <p:spTree>
+      <p:nvGrpSpPr>
+        <p:cNvPr id="1" name=""/>
+        <p:cNvGrpSpPr/>
+        <p:nvPr/>
+      </p:nvGrpSpPr>
+      <p:grpSpPr>
+        <a:xfrm>
+          <a:off x="0" y="0"/>
+          <a:ext cx="0" cy="0"/>
+          <a:chOff x="0" y="0"/>
+          <a:chExt cx="0" cy="0"/>
+        </a:xfrm>
+      </p:grpSpPr>
+      <p:sp>
+        <p:nvSpPr>
+          <p:cNvPr id="2" name="Slide Image Placeholder 1"/>
+          <p:cNvSpPr>
+            <a:spLocks noGrp="1" noRot="1" noChangeAspect="1"/>
+          </p:cNvSpPr>
+          <p:nvPr>
+            <p:ph type="sldImg"/>
+          </p:nvPr>
+        </p:nvSpPr>
+        <p:spPr/>
+      </p:sp>
+      <p:sp>
+        <p:nvSpPr>
+          <p:cNvPr id="3" name="Notes Placeholder 2"/>
+          <p:cNvSpPr>
+            <a:spLocks noGrp="1"/>
+          </p:cNvSpPr>
+          <p:nvPr>
+            <p:ph type="body" idx="1"/>
+          </p:nvPr>
+        </p:nvSpPr>
+        <p:spPr/>
+        <p:txBody>
+          <a:bodyPr/>
+          <a:lstStyle/>
+          <a:p>
+            <a:endParaRPr lang="en-US"/>
+          </a:p>
+        </p:txBody>
+      </p:sp>
+      <p:sp>
+        <p:nvSpPr>
+          <p:cNvPr id="4" name="Slide Number Placeholder 3"/>
+          <p:cNvSpPr>
+            <a:spLocks noGrp="1"/>
+          </p:cNvSpPr>
+          <p:nvPr>
+            <p:ph type="sldNum" sz="quarter" idx="5"/>
+          </p:nvPr>
+        </p:nvSpPr>
+        <p:spPr/>
+        <p:txBody>
+          <a:bodyPr/>
+          <a:lstStyle/>
+          <a:p>
+            <a:fld id="{1BD3BC95-E1EA-0F4F-B5DA-99C71E61D0E0}" type="slidenum">
+              <a:rPr lang="en-US" smtClean="0"/>
               <a:t>16</a:t>
             </a:fld>
             <a:endParaRPr lang="en-US"/>
@@ -1176,7 +1743,7 @@
     </p:spTree>
     <p:extLst>
       <p:ext uri="{BB962C8B-B14F-4D97-AF65-F5344CB8AC3E}">
-        <p14:creationId xmlns:p14="http://schemas.microsoft.com/office/powerpoint/2010/main" val="1504081852"/>
+        <p14:creationId xmlns:p14="http://schemas.microsoft.com/office/powerpoint/2010/main" val="2790006786"/>
       </p:ext>
     </p:extLst>
   </p:cSld>
@@ -4451,12 +5018,18 @@
           </a:bodyPr>
           <a:lstStyle/>
           <a:p>
+            <a:pPr marL="0" indent="0">
+              <a:buNone/>
+            </a:pPr>
             <a:r>
               <a:rPr lang="en-US" dirty="0"/>
               <a:t>David J. Birnbaum</a:t>
             </a:r>
           </a:p>
           <a:p>
+            <a:pPr marL="0" indent="0">
+              <a:buNone/>
+            </a:pPr>
             <a:r>
               <a:rPr lang="en-US" dirty="0" err="1"/>
               <a:t>djbpitt@gmail.com</a:t>
@@ -4464,6 +5037,9 @@
             <a:endParaRPr lang="en-US" dirty="0"/>
           </a:p>
           <a:p>
+            <a:pPr marL="0" indent="0">
+              <a:buNone/>
+            </a:pPr>
             <a:r>
               <a:rPr lang="en-US" dirty="0"/>
               <a:t>http://</a:t>
@@ -4475,6 +5051,9 @@
             <a:endParaRPr lang="en-US" dirty="0"/>
           </a:p>
           <a:p>
+            <a:pPr marL="0" indent="0">
+              <a:buNone/>
+            </a:pPr>
             <a:r>
               <a:rPr lang="en-US" dirty="0"/>
               <a:t>2019-04-11</a:t>
@@ -4546,7 +5125,7 @@
           <p:cNvPr id="2" name="Title 1">
             <a:extLst>
               <a:ext uri="{FF2B5EF4-FFF2-40B4-BE49-F238E27FC236}">
-                <a16:creationId xmlns:a16="http://schemas.microsoft.com/office/drawing/2014/main" id="{A50AB9BB-52D4-BF4E-AC7E-1FBB15CC0B9E}"/>
+                <a16:creationId xmlns:a16="http://schemas.microsoft.com/office/drawing/2014/main" id="{1128FD09-3E8C-3849-AD5B-83570F75A517}"/>
               </a:ext>
             </a:extLst>
           </p:cNvPr>
@@ -4564,7 +5143,7 @@
           <a:p>
             <a:r>
               <a:rPr lang="en-US" dirty="0"/>
-              <a:t>Research questions: specific</a:t>
+              <a:t>Digression about rhyme and transitivity</a:t>
             </a:r>
           </a:p>
         </p:txBody>
@@ -4574,7 +5153,7 @@
           <p:cNvPr id="3" name="Content Placeholder 2">
             <a:extLst>
               <a:ext uri="{FF2B5EF4-FFF2-40B4-BE49-F238E27FC236}">
-                <a16:creationId xmlns:a16="http://schemas.microsoft.com/office/drawing/2014/main" id="{CE59204A-1657-CE4E-85FB-62FCFD136D70}"/>
+                <a16:creationId xmlns:a16="http://schemas.microsoft.com/office/drawing/2014/main" id="{B4F79B7B-084C-3F49-84EB-5910F463B389}"/>
               </a:ext>
             </a:extLst>
           </p:cNvPr>
@@ -4585,57 +5164,235 @@
             <p:ph idx="1"/>
           </p:nvPr>
         </p:nvSpPr>
-        <p:spPr/>
-        <p:txBody>
-          <a:bodyPr/>
+        <p:spPr>
+          <a:xfrm>
+            <a:off x="838200" y="1825624"/>
+            <a:ext cx="10515600" cy="4521387"/>
+          </a:xfrm>
+        </p:spPr>
+        <p:txBody>
+          <a:bodyPr>
+            <a:normAutofit lnSpcReduction="10000"/>
+          </a:bodyPr>
           <a:lstStyle/>
           <a:p>
             <a:pPr>
               <a:lnSpc>
-                <a:spcPct val="100000"/>
+                <a:spcPct val="110000"/>
               </a:lnSpc>
             </a:pPr>
             <a:r>
               <a:rPr lang="en-US" dirty="0"/>
-              <a:t>In the early Stalin (interwar) period, provincial poets published newspaper verse in celebration of socialism</a:t>
+              <a:t>Some machine-assisted studies of rhyme rely on transitivity to build nests of rhyming words (cf. the earlier network graph of “The raven”)</a:t>
             </a:r>
           </a:p>
           <a:p>
             <a:pPr>
               <a:lnSpc>
-                <a:spcPct val="100000"/>
+                <a:spcPct val="110000"/>
               </a:lnSpc>
             </a:pPr>
             <a:r>
               <a:rPr lang="en-US" dirty="0"/>
-              <a:t>Meanwhile, in Moscow the preeminent formal innovator in terms of rhyme and meter was Vladimir </a:t>
-            </a:r>
-            <a:r>
-              <a:rPr lang="en-US" dirty="0" err="1"/>
-              <a:t>Majakovskij</a:t>
-            </a:r>
-            <a:r>
-              <a:rPr lang="en-US" dirty="0"/>
-              <a:t> (1893–1930)</a:t>
+              <a:t>In Russian, though, rhyme is not always transitive</a:t>
+            </a:r>
+          </a:p>
+          <a:p>
+            <a:pPr lvl="1">
+              <a:lnSpc>
+                <a:spcPct val="110000"/>
+              </a:lnSpc>
+            </a:pPr>
+            <a:r>
+              <a:rPr lang="en-US" dirty="0"/>
+              <a:t>A ~ B and B ~ C but A !~ C</a:t>
             </a:r>
           </a:p>
           <a:p>
             <a:pPr>
               <a:lnSpc>
-                <a:spcPct val="100000"/>
+                <a:spcPct val="110000"/>
               </a:lnSpc>
             </a:pPr>
             <a:r>
               <a:rPr lang="en-US" dirty="0"/>
-              <a:t>When provincial poets thought they were writing like </a:t>
-            </a:r>
+              <a:t>Palatal glide [j] rhymes with any palatalized consonant</a:t>
+            </a:r>
+          </a:p>
+          <a:p>
+            <a:pPr lvl="1">
+              <a:lnSpc>
+                <a:spcPct val="110000"/>
+              </a:lnSpc>
+            </a:pPr>
             <a:r>
               <a:rPr lang="en-US" dirty="0" err="1"/>
-              <a:t>Majakovskij</a:t>
-            </a:r>
-            <a:r>
-              <a:rPr lang="en-US" dirty="0"/>
-              <a:t>, can we formalize what that meant in terms of meter, rhythm, rhyme, and other poetic devices and features?</a:t>
+              <a:t>moja</a:t>
+            </a:r>
+            <a:r>
+              <a:rPr lang="en-US" dirty="0"/>
+              <a:t> [</a:t>
+            </a:r>
+            <a:r>
+              <a:rPr lang="en-US" dirty="0" err="1"/>
+              <a:t>mʌ</a:t>
+            </a:r>
+            <a:r>
+              <a:rPr lang="en-US" dirty="0" err="1">
+                <a:highlight>
+                  <a:srgbClr val="00FFFF"/>
+                </a:highlight>
+              </a:rPr>
+              <a:t>ˈja</a:t>
+            </a:r>
+            <a:r>
+              <a:rPr lang="en-US" dirty="0"/>
+              <a:t>] ~ </a:t>
+            </a:r>
+            <a:r>
+              <a:rPr lang="en-US" dirty="0" err="1"/>
+              <a:t>sebja</a:t>
+            </a:r>
+            <a:r>
+              <a:rPr lang="en-US" dirty="0"/>
+              <a:t> [</a:t>
+            </a:r>
+            <a:r>
+              <a:rPr lang="en-US" dirty="0" err="1"/>
+              <a:t>sʲi</a:t>
+            </a:r>
+            <a:r>
+              <a:rPr lang="en-US" dirty="0" err="1">
+                <a:highlight>
+                  <a:srgbClr val="00FFFF"/>
+                </a:highlight>
+              </a:rPr>
+              <a:t>ˈbʲa</a:t>
+            </a:r>
+            <a:r>
+              <a:rPr lang="en-US" dirty="0"/>
+              <a:t>]</a:t>
+            </a:r>
+          </a:p>
+          <a:p>
+            <a:pPr lvl="1">
+              <a:lnSpc>
+                <a:spcPct val="110000"/>
+              </a:lnSpc>
+            </a:pPr>
+            <a:r>
+              <a:rPr lang="en-US" dirty="0" err="1"/>
+              <a:t>moja</a:t>
+            </a:r>
+            <a:r>
+              <a:rPr lang="en-US" dirty="0"/>
+              <a:t> [</a:t>
+            </a:r>
+            <a:r>
+              <a:rPr lang="en-US" dirty="0" err="1"/>
+              <a:t>mʌ</a:t>
+            </a:r>
+            <a:r>
+              <a:rPr lang="en-US" dirty="0" err="1">
+                <a:highlight>
+                  <a:srgbClr val="00FFFF"/>
+                </a:highlight>
+              </a:rPr>
+              <a:t>ˈja</a:t>
+            </a:r>
+            <a:r>
+              <a:rPr lang="en-US" dirty="0"/>
+              <a:t>] ~ </a:t>
+            </a:r>
+            <a:r>
+              <a:rPr lang="en-US" dirty="0" err="1"/>
+              <a:t>menja</a:t>
+            </a:r>
+            <a:r>
+              <a:rPr lang="en-US" dirty="0"/>
+              <a:t> [</a:t>
+            </a:r>
+            <a:r>
+              <a:rPr lang="en-US" dirty="0" err="1"/>
+              <a:t>mʲi</a:t>
+            </a:r>
+            <a:r>
+              <a:rPr lang="en-US" dirty="0" err="1">
+                <a:highlight>
+                  <a:srgbClr val="00FFFF"/>
+                </a:highlight>
+              </a:rPr>
+              <a:t>ˈnʲa</a:t>
+            </a:r>
+            <a:r>
+              <a:rPr lang="en-US" dirty="0"/>
+              <a:t>]</a:t>
+            </a:r>
+          </a:p>
+          <a:p>
+            <a:pPr>
+              <a:lnSpc>
+                <a:spcPct val="110000"/>
+              </a:lnSpc>
+            </a:pPr>
+            <a:r>
+              <a:rPr lang="en-US" dirty="0"/>
+              <a:t>Palatalized consonants do not rhyme with one another</a:t>
+            </a:r>
+          </a:p>
+          <a:p>
+            <a:pPr lvl="1">
+              <a:lnSpc>
+                <a:spcPct val="110000"/>
+              </a:lnSpc>
+            </a:pPr>
+            <a:r>
+              <a:rPr lang="en-US" dirty="0" err="1"/>
+              <a:t>sebja</a:t>
+            </a:r>
+            <a:r>
+              <a:rPr lang="en-US" dirty="0"/>
+              <a:t> [</a:t>
+            </a:r>
+            <a:r>
+              <a:rPr lang="en-US" dirty="0" err="1"/>
+              <a:t>sʲi</a:t>
+            </a:r>
+            <a:r>
+              <a:rPr lang="en-US" dirty="0" err="1">
+                <a:highlight>
+                  <a:srgbClr val="00FFFF"/>
+                </a:highlight>
+              </a:rPr>
+              <a:t>ˈbʲa</a:t>
+            </a:r>
+            <a:r>
+              <a:rPr lang="en-US" dirty="0"/>
+              <a:t>] !~ </a:t>
+            </a:r>
+            <a:r>
+              <a:rPr lang="en-US" dirty="0" err="1"/>
+              <a:t>menja</a:t>
+            </a:r>
+            <a:r>
+              <a:rPr lang="en-US" dirty="0"/>
+              <a:t> [</a:t>
+            </a:r>
+            <a:r>
+              <a:rPr lang="en-US" dirty="0" err="1"/>
+              <a:t>mʲi</a:t>
+            </a:r>
+            <a:r>
+              <a:rPr lang="en-US" dirty="0" err="1">
+                <a:highlight>
+                  <a:srgbClr val="00FFFF"/>
+                </a:highlight>
+              </a:rPr>
+              <a:t>ˈnʲa</a:t>
+            </a:r>
+            <a:r>
+              <a:rPr lang="en-US" dirty="0"/>
+              <a:t>]</a:t>
             </a:r>
           </a:p>
         </p:txBody>
@@ -4643,7 +5400,7 @@
     </p:spTree>
     <p:extLst>
       <p:ext uri="{BB962C8B-B14F-4D97-AF65-F5344CB8AC3E}">
-        <p14:creationId xmlns:p14="http://schemas.microsoft.com/office/powerpoint/2010/main" val="1035647202"/>
+        <p14:creationId xmlns:p14="http://schemas.microsoft.com/office/powerpoint/2010/main" val="2740636255"/>
       </p:ext>
     </p:extLst>
   </p:cSld>
@@ -4675,7 +5432,7 @@
           <p:cNvPr id="2" name="Title 1">
             <a:extLst>
               <a:ext uri="{FF2B5EF4-FFF2-40B4-BE49-F238E27FC236}">
-                <a16:creationId xmlns:a16="http://schemas.microsoft.com/office/drawing/2014/main" id="{EE7E29C9-9E37-264D-B656-D67694BE1C2F}"/>
+                <a16:creationId xmlns:a16="http://schemas.microsoft.com/office/drawing/2014/main" id="{D999F3D3-6711-C54B-8604-16600255B2D0}"/>
               </a:ext>
             </a:extLst>
           </p:cNvPr>
@@ -4704,7 +5461,31 @@
                 <a:ea typeface="+mj-ea"/>
                 <a:cs typeface="+mj-cs"/>
               </a:rPr>
-              <a:t>Russian verse corpora</a:t>
+              <a:t>Topic:</a:t>
+            </a:r>
+            <a:r>
+              <a:rPr lang="en-US" sz="4400" kern="1200" baseline="0" dirty="0">
+                <a:solidFill>
+                  <a:schemeClr val="tx1"/>
+                </a:solidFill>
+                <a:effectLst/>
+                <a:latin typeface="+mj-lt"/>
+                <a:ea typeface="+mj-ea"/>
+                <a:cs typeface="+mj-cs"/>
+              </a:rPr>
+              <a:t> r</a:t>
+            </a:r>
+            <a:r>
+              <a:rPr lang="en-US" sz="4400" kern="1200" dirty="0">
+                <a:solidFill>
+                  <a:schemeClr val="tx1"/>
+                </a:solidFill>
+                <a:effectLst/>
+                <a:latin typeface="+mj-lt"/>
+                <a:ea typeface="+mj-ea"/>
+                <a:cs typeface="+mj-cs"/>
+              </a:rPr>
+              <a:t>esearch questions (general)</a:t>
             </a:r>
             <a:endParaRPr lang="en-US" dirty="0"/>
           </a:p>
@@ -4715,7 +5496,7 @@
           <p:cNvPr id="3" name="Content Placeholder 2">
             <a:extLst>
               <a:ext uri="{FF2B5EF4-FFF2-40B4-BE49-F238E27FC236}">
-                <a16:creationId xmlns:a16="http://schemas.microsoft.com/office/drawing/2014/main" id="{EE20B915-1BEC-C547-B1E0-4F7137CFD9EC}"/>
+                <a16:creationId xmlns:a16="http://schemas.microsoft.com/office/drawing/2014/main" id="{5C018466-9D07-C540-9516-5FA37971B240}"/>
               </a:ext>
             </a:extLst>
           </p:cNvPr>
@@ -4728,96 +5509,141 @@
         </p:nvSpPr>
         <p:spPr/>
         <p:txBody>
-          <a:bodyPr/>
+          <a:bodyPr>
+            <a:normAutofit fontScale="92500" lnSpcReduction="10000"/>
+          </a:bodyPr>
           <a:lstStyle/>
           <a:p>
             <a:pPr>
               <a:lnSpc>
-                <a:spcPct val="100000"/>
+                <a:spcPct val="110000"/>
               </a:lnSpc>
             </a:pPr>
             <a:r>
               <a:rPr lang="en-US" dirty="0"/>
-              <a:t>The J. Thomas Shaw corpus of Golden Age verse (</a:t>
-            </a:r>
-            <a:r>
-              <a:rPr lang="en-US" dirty="0" err="1"/>
-              <a:t>Puškin</a:t>
-            </a:r>
-            <a:r>
-              <a:rPr lang="en-US" dirty="0"/>
-              <a:t>, </a:t>
-            </a:r>
-            <a:r>
-              <a:rPr lang="en-US" dirty="0" err="1"/>
-              <a:t>Baratynskij</a:t>
-            </a:r>
-            <a:r>
-              <a:rPr lang="en-US" dirty="0"/>
-              <a:t>, </a:t>
-            </a:r>
-            <a:r>
-              <a:rPr lang="en-US" dirty="0" err="1"/>
-              <a:t>Batjuškov</a:t>
-            </a:r>
-            <a:r>
-              <a:rPr lang="en-US" dirty="0"/>
-              <a:t>)</a:t>
+              <a:t>Observation: Certain types of inexact rhyme are present since the early nineteenth century, while others are more recent</a:t>
             </a:r>
           </a:p>
           <a:p>
             <a:pPr>
               <a:lnSpc>
-                <a:spcPct val="100000"/>
+                <a:spcPct val="110000"/>
               </a:lnSpc>
             </a:pPr>
             <a:r>
               <a:rPr lang="en-US" dirty="0"/>
-              <a:t>The Russian National Corpus (RNC)</a:t>
+              <a:t>General question #1: Does decomposition below the level of the segment help us distinguish inexact rhyme from non-rhyme? (In a poem, a poet, a period, a movement, a genre …)</a:t>
+            </a:r>
+          </a:p>
+          <a:p>
+            <a:pPr>
+              <a:lnSpc>
+                <a:spcPct val="110000"/>
+              </a:lnSpc>
+            </a:pPr>
+            <a:r>
+              <a:rPr lang="en-US" dirty="0"/>
+              <a:t>General question #2: Can we extend the historiographic chain?</a:t>
             </a:r>
           </a:p>
           <a:p>
             <a:pPr lvl="1">
               <a:lnSpc>
-                <a:spcPct val="100000"/>
+                <a:spcPct val="110000"/>
               </a:lnSpc>
             </a:pPr>
             <a:r>
               <a:rPr lang="en-US" dirty="0"/>
-              <a:t>Can be queried through a web interface</a:t>
+              <a:t>Progressive relaxation of </a:t>
+            </a:r>
+            <a:r>
+              <a:rPr lang="en-US" i="1" dirty="0"/>
+              <a:t>strictures</a:t>
+            </a:r>
+            <a:r>
+              <a:rPr lang="en-US" dirty="0"/>
+              <a:t> (</a:t>
+            </a:r>
+            <a:r>
+              <a:rPr lang="en-US" dirty="0" err="1"/>
+              <a:t>Žirmunskij</a:t>
+            </a:r>
+            <a:r>
+              <a:rPr lang="en-US" dirty="0"/>
+              <a:t>)</a:t>
             </a:r>
           </a:p>
           <a:p>
             <a:pPr lvl="1">
               <a:lnSpc>
-                <a:spcPct val="100000"/>
+                <a:spcPct val="110000"/>
               </a:lnSpc>
             </a:pPr>
             <a:r>
               <a:rPr lang="en-US" dirty="0"/>
-              <a:t>Raw corpus files can be licensed for research purposes</a:t>
+              <a:t>Extension of </a:t>
+            </a:r>
+            <a:r>
+              <a:rPr lang="en-US" i="1" dirty="0"/>
+              <a:t>domain</a:t>
+            </a:r>
+            <a:r>
+              <a:rPr lang="en-US" dirty="0"/>
+              <a:t> (</a:t>
+            </a:r>
+            <a:r>
+              <a:rPr lang="en-US" dirty="0" err="1"/>
+              <a:t>Brjusov</a:t>
+            </a:r>
+            <a:r>
+              <a:rPr lang="en-US" dirty="0"/>
+              <a:t>; segment as environment)</a:t>
             </a:r>
           </a:p>
           <a:p>
             <a:pPr lvl="1">
               <a:lnSpc>
-                <a:spcPct val="100000"/>
+                <a:spcPct val="110000"/>
               </a:lnSpc>
             </a:pPr>
             <a:r>
               <a:rPr lang="en-US" dirty="0"/>
-              <a:t>Markup of data and metadata is inconsistent or incomplete in places</a:t>
-            </a:r>
-          </a:p>
-          <a:p>
-            <a:pPr>
+              <a:t>Taxonomy of inexactness (</a:t>
+            </a:r>
+            <a:r>
+              <a:rPr lang="en-US" dirty="0" err="1"/>
+              <a:t>Gasparov</a:t>
+            </a:r>
+            <a:r>
+              <a:rPr lang="en-US" dirty="0"/>
+              <a:t>; </a:t>
+            </a:r>
+            <a:r>
+              <a:rPr lang="en-US" i="1" dirty="0"/>
+              <a:t>segment</a:t>
+            </a:r>
+            <a:r>
+              <a:rPr lang="en-US" dirty="0"/>
+              <a:t> as unit of differentiation)</a:t>
+            </a:r>
+          </a:p>
+          <a:p>
+            <a:pPr lvl="1">
               <a:lnSpc>
-                <a:spcPct val="100000"/>
+                <a:spcPct val="110000"/>
               </a:lnSpc>
             </a:pPr>
             <a:r>
               <a:rPr lang="en-US" dirty="0"/>
-              <a:t>No annotated corpus of non-canonic poetry</a:t>
+              <a:t>Are there patterns in inexactness at the level of </a:t>
+            </a:r>
+            <a:r>
+              <a:rPr lang="en-US" i="1" dirty="0"/>
+              <a:t>distinctive features</a:t>
+            </a:r>
+            <a:r>
+              <a:rPr lang="en-US" dirty="0"/>
+              <a:t>?</a:t>
             </a:r>
           </a:p>
         </p:txBody>
@@ -4825,7 +5651,7 @@
     </p:spTree>
     <p:extLst>
       <p:ext uri="{BB962C8B-B14F-4D97-AF65-F5344CB8AC3E}">
-        <p14:creationId xmlns:p14="http://schemas.microsoft.com/office/powerpoint/2010/main" val="98690495"/>
+        <p14:creationId xmlns:p14="http://schemas.microsoft.com/office/powerpoint/2010/main" val="1022701751"/>
       </p:ext>
     </p:extLst>
   </p:cSld>
@@ -4857,7 +5683,7 @@
           <p:cNvPr id="2" name="Title 1">
             <a:extLst>
               <a:ext uri="{FF2B5EF4-FFF2-40B4-BE49-F238E27FC236}">
-                <a16:creationId xmlns:a16="http://schemas.microsoft.com/office/drawing/2014/main" id="{5846B087-B8FD-8E40-A9A2-EAC0E1F3DDB8}"/>
+                <a16:creationId xmlns:a16="http://schemas.microsoft.com/office/drawing/2014/main" id="{A50AB9BB-52D4-BF4E-AC7E-1FBB15CC0B9E}"/>
               </a:ext>
             </a:extLst>
           </p:cNvPr>
@@ -4875,7 +5701,7 @@
           <a:p>
             <a:r>
               <a:rPr lang="en-US" dirty="0"/>
-              <a:t>From orthography to phonetic features</a:t>
+              <a:t>Research questions: specific</a:t>
             </a:r>
           </a:p>
         </p:txBody>
@@ -4885,7 +5711,7 @@
           <p:cNvPr id="3" name="Content Placeholder 2">
             <a:extLst>
               <a:ext uri="{FF2B5EF4-FFF2-40B4-BE49-F238E27FC236}">
-                <a16:creationId xmlns:a16="http://schemas.microsoft.com/office/drawing/2014/main" id="{48C0EC6C-1387-6949-AF0A-306783BB7284}"/>
+                <a16:creationId xmlns:a16="http://schemas.microsoft.com/office/drawing/2014/main" id="{CE59204A-1657-CE4E-85FB-62FCFD136D70}"/>
               </a:ext>
             </a:extLst>
           </p:cNvPr>
@@ -4898,9 +5724,7 @@
         </p:nvSpPr>
         <p:spPr/>
         <p:txBody>
-          <a:bodyPr>
-            <a:normAutofit fontScale="92500" lnSpcReduction="10000"/>
-          </a:bodyPr>
+          <a:bodyPr/>
           <a:lstStyle/>
           <a:p>
             <a:pPr>
@@ -4910,7 +5734,7 @@
             </a:pPr>
             <a:r>
               <a:rPr lang="en-US" dirty="0"/>
-              <a:t>Identify stress locations</a:t>
+              <a:t>Observation: In the early Stalin (interwar) period, provincial poets published newspaper verse in celebration of socialism</a:t>
             </a:r>
           </a:p>
           <a:p>
@@ -4921,7 +5745,15 @@
             </a:pPr>
             <a:r>
               <a:rPr lang="en-US" dirty="0"/>
-              <a:t>Convert from orthography to broad phonetic representation algorithmically (fifteen-step pipeline)</a:t>
+              <a:t>Observation: Meanwhile, in Moscow the preeminent formal innovator in terms of rhyme and meter was Vladimir </a:t>
+            </a:r>
+            <a:r>
+              <a:rPr lang="en-US" dirty="0" err="1"/>
+              <a:t>Majakovskij</a:t>
+            </a:r>
+            <a:r>
+              <a:rPr lang="en-US" dirty="0"/>
+              <a:t> (1893–1930)</a:t>
             </a:r>
           </a:p>
           <a:p>
@@ -4932,93 +5764,15 @@
             </a:pPr>
             <a:r>
               <a:rPr lang="en-US" dirty="0"/>
-              <a:t>Identify </a:t>
-            </a:r>
-            <a:r>
-              <a:rPr lang="en-US" i="1" dirty="0"/>
-              <a:t>rhyme zone </a:t>
-            </a:r>
-            <a:r>
-              <a:rPr lang="en-US" dirty="0"/>
-              <a:t>(</a:t>
-            </a:r>
-            <a:r>
-              <a:rPr lang="en-US" i="1" dirty="0" err="1"/>
-              <a:t>clausula</a:t>
-            </a:r>
-            <a:r>
-              <a:rPr lang="en-US" dirty="0"/>
-              <a:t>)</a:t>
-            </a:r>
-          </a:p>
-          <a:p>
-            <a:pPr>
-              <a:lnSpc>
-                <a:spcPct val="100000"/>
-              </a:lnSpc>
-            </a:pPr>
+              <a:t>Specific question: When provincial poets thought they were “writing like </a:t>
+            </a:r>
             <a:r>
               <a:rPr lang="en-US" dirty="0" err="1"/>
-              <a:t>Hierarachical</a:t>
-            </a:r>
-            <a:r>
-              <a:rPr lang="en-US" dirty="0"/>
-              <a:t> decomposition</a:t>
-            </a:r>
-          </a:p>
-          <a:p>
-            <a:pPr lvl="1">
-              <a:lnSpc>
-                <a:spcPct val="100000"/>
-              </a:lnSpc>
-            </a:pPr>
-            <a:r>
-              <a:rPr lang="en-US" dirty="0"/>
-              <a:t>String</a:t>
-            </a:r>
-          </a:p>
-          <a:p>
-            <a:pPr lvl="1">
-              <a:lnSpc>
-                <a:spcPct val="100000"/>
-              </a:lnSpc>
-            </a:pPr>
-            <a:r>
-              <a:rPr lang="en-US" dirty="0"/>
-              <a:t>Syllables</a:t>
-            </a:r>
-          </a:p>
-          <a:p>
-            <a:pPr lvl="1">
-              <a:lnSpc>
-                <a:spcPct val="100000"/>
-              </a:lnSpc>
-            </a:pPr>
-            <a:r>
-              <a:rPr lang="en-US" dirty="0"/>
-              <a:t>Onset, nucleus, coda</a:t>
-            </a:r>
-          </a:p>
-          <a:p>
-            <a:pPr lvl="1">
-              <a:lnSpc>
-                <a:spcPct val="100000"/>
-              </a:lnSpc>
-            </a:pPr>
-            <a:r>
-              <a:rPr lang="en-US" dirty="0"/>
-              <a:t>Segments</a:t>
-            </a:r>
-          </a:p>
-          <a:p>
-            <a:pPr lvl="1">
-              <a:lnSpc>
-                <a:spcPct val="100000"/>
-              </a:lnSpc>
-            </a:pPr>
-            <a:r>
-              <a:rPr lang="en-US" dirty="0"/>
-              <a:t>Distinctive features</a:t>
+              <a:t>Majakovskij</a:t>
+            </a:r>
+            <a:r>
+              <a:rPr lang="en-US" dirty="0"/>
+              <a:t>”, can we formalize what that meant in terms of meter, rhythm, rhyme, and other poetic devices and features?</a:t>
             </a:r>
           </a:p>
         </p:txBody>
@@ -5026,7 +5780,7 @@
     </p:spTree>
     <p:extLst>
       <p:ext uri="{BB962C8B-B14F-4D97-AF65-F5344CB8AC3E}">
-        <p14:creationId xmlns:p14="http://schemas.microsoft.com/office/powerpoint/2010/main" val="3381025321"/>
+        <p14:creationId xmlns:p14="http://schemas.microsoft.com/office/powerpoint/2010/main" val="1035647202"/>
       </p:ext>
     </p:extLst>
   </p:cSld>
@@ -5058,7 +5812,7 @@
           <p:cNvPr id="2" name="Title 1">
             <a:extLst>
               <a:ext uri="{FF2B5EF4-FFF2-40B4-BE49-F238E27FC236}">
-                <a16:creationId xmlns:a16="http://schemas.microsoft.com/office/drawing/2014/main" id="{D3FB1992-09DC-A24E-9298-9F467D01B73F}"/>
+                <a16:creationId xmlns:a16="http://schemas.microsoft.com/office/drawing/2014/main" id="{EE7E29C9-9E37-264D-B656-D67694BE1C2F}"/>
               </a:ext>
             </a:extLst>
           </p:cNvPr>
@@ -5076,44 +5830,126 @@
           <a:p>
             <a:r>
               <a:rPr lang="en-US" dirty="0"/>
-              <a:t>Feature matrix (excerpt)</a:t>
-            </a:r>
-          </a:p>
-        </p:txBody>
-      </p:sp>
-      <p:pic>
-        <p:nvPicPr>
-          <p:cNvPr id="5" name="Content Placeholder 4">
-            <a:extLst>
-              <a:ext uri="{FF2B5EF4-FFF2-40B4-BE49-F238E27FC236}">
-                <a16:creationId xmlns:a16="http://schemas.microsoft.com/office/drawing/2014/main" id="{2F27DB72-0A65-5747-A313-144FA02A844A}"/>
-              </a:ext>
-            </a:extLst>
-          </p:cNvPr>
-          <p:cNvPicPr>
-            <a:picLocks noGrp="1" noChangeAspect="1"/>
-          </p:cNvPicPr>
+              <a:t>Russian verse corpora</a:t>
+            </a:r>
+          </a:p>
+        </p:txBody>
+      </p:sp>
+      <p:sp>
+        <p:nvSpPr>
+          <p:cNvPr id="3" name="Content Placeholder 2">
+            <a:extLst>
+              <a:ext uri="{FF2B5EF4-FFF2-40B4-BE49-F238E27FC236}">
+                <a16:creationId xmlns:a16="http://schemas.microsoft.com/office/drawing/2014/main" id="{EE20B915-1BEC-C547-B1E0-4F7137CFD9EC}"/>
+              </a:ext>
+            </a:extLst>
+          </p:cNvPr>
+          <p:cNvSpPr>
+            <a:spLocks noGrp="1"/>
+          </p:cNvSpPr>
           <p:nvPr>
             <p:ph idx="1"/>
           </p:nvPr>
-        </p:nvPicPr>
-        <p:blipFill>
-          <a:blip r:embed="rId2"/>
-          <a:stretch>
-            <a:fillRect/>
-          </a:stretch>
-        </p:blipFill>
+        </p:nvSpPr>
         <p:spPr>
           <a:xfrm>
-            <a:off x="838200" y="3061740"/>
-            <a:ext cx="10515600" cy="1879108"/>
+            <a:off x="838200" y="1825625"/>
+            <a:ext cx="10515600" cy="4351338"/>
           </a:xfrm>
         </p:spPr>
-      </p:pic>
+        <p:txBody>
+          <a:bodyPr/>
+          <a:lstStyle/>
+          <a:p>
+            <a:r>
+              <a:rPr lang="en-US" dirty="0"/>
+              <a:t>The J. Thomas Shaw corpus of Golden Age verse (</a:t>
+            </a:r>
+            <a:r>
+              <a:rPr lang="en-US" dirty="0" err="1"/>
+              <a:t>Puškin</a:t>
+            </a:r>
+            <a:r>
+              <a:rPr lang="en-US" dirty="0"/>
+              <a:t>, </a:t>
+            </a:r>
+            <a:r>
+              <a:rPr lang="en-US" dirty="0" err="1"/>
+              <a:t>Baratynskij</a:t>
+            </a:r>
+            <a:r>
+              <a:rPr lang="en-US" dirty="0"/>
+              <a:t>, </a:t>
+            </a:r>
+            <a:r>
+              <a:rPr lang="en-US" dirty="0" err="1"/>
+              <a:t>Batjuškov</a:t>
+            </a:r>
+            <a:r>
+              <a:rPr lang="en-US" dirty="0"/>
+              <a:t>)</a:t>
+            </a:r>
+          </a:p>
+          <a:p>
+            <a:r>
+              <a:rPr lang="en-US" dirty="0"/>
+              <a:t>The Russian National Corpus (RNC)</a:t>
+            </a:r>
+          </a:p>
+          <a:p>
+            <a:pPr lvl="1"/>
+            <a:r>
+              <a:rPr lang="en-US" dirty="0"/>
+              <a:t>Can be queried through a web interface</a:t>
+            </a:r>
+          </a:p>
+          <a:p>
+            <a:pPr lvl="1"/>
+            <a:r>
+              <a:rPr lang="en-US" dirty="0"/>
+              <a:t>Raw corpus files can be licensed for research purposes</a:t>
+            </a:r>
+          </a:p>
+          <a:p>
+            <a:pPr lvl="1"/>
+            <a:r>
+              <a:rPr lang="en-US" dirty="0"/>
+              <a:t>Markup of data and metadata is inconsistent or incomplete in places</a:t>
+            </a:r>
+          </a:p>
+          <a:p>
+            <a:pPr lvl="2"/>
+            <a:r>
+              <a:rPr lang="en-US" dirty="0"/>
+              <a:t>Meter and rhyme are recorded as summary (incomplete) metadata</a:t>
+            </a:r>
+          </a:p>
+          <a:p>
+            <a:pPr lvl="1"/>
+            <a:r>
+              <a:rPr lang="en-US" dirty="0"/>
+              <a:t>No phonetics, no stress (although metrical scheme is marked)</a:t>
+            </a:r>
+          </a:p>
+          <a:p>
+            <a:pPr lvl="2"/>
+            <a:r>
+              <a:rPr lang="en-US" dirty="0"/>
+              <a:t>An anonymous bootleg version with IPA and stress circulates</a:t>
+            </a:r>
+          </a:p>
+          <a:p>
+            <a:r>
+              <a:rPr lang="en-US" dirty="0"/>
+              <a:t>No annotated corpus of non-canonic poetry</a:t>
+            </a:r>
+          </a:p>
+        </p:txBody>
+      </p:sp>
     </p:spTree>
     <p:extLst>
       <p:ext uri="{BB962C8B-B14F-4D97-AF65-F5344CB8AC3E}">
-        <p14:creationId xmlns:p14="http://schemas.microsoft.com/office/powerpoint/2010/main" val="725008823"/>
+        <p14:creationId xmlns:p14="http://schemas.microsoft.com/office/powerpoint/2010/main" val="98690495"/>
       </p:ext>
     </p:extLst>
   </p:cSld>
@@ -5145,7 +5981,7 @@
           <p:cNvPr id="2" name="Title 1">
             <a:extLst>
               <a:ext uri="{FF2B5EF4-FFF2-40B4-BE49-F238E27FC236}">
-                <a16:creationId xmlns:a16="http://schemas.microsoft.com/office/drawing/2014/main" id="{3D275434-01E4-9D48-9A70-DAFD29D9A624}"/>
+                <a16:creationId xmlns:a16="http://schemas.microsoft.com/office/drawing/2014/main" id="{5846B087-B8FD-8E40-A9A2-EAC0E1F3DDB8}"/>
               </a:ext>
             </a:extLst>
           </p:cNvPr>
@@ -5163,91 +5999,158 @@
           <a:p>
             <a:r>
               <a:rPr lang="en-US" dirty="0"/>
-              <a:t>Perfect and imperfect rhyme</a:t>
-            </a:r>
-          </a:p>
-        </p:txBody>
-      </p:sp>
-      <p:pic>
-        <p:nvPicPr>
-          <p:cNvPr id="4" name="Content Placeholder 4">
-            <a:extLst>
-              <a:ext uri="{FF2B5EF4-FFF2-40B4-BE49-F238E27FC236}">
-                <a16:creationId xmlns:a16="http://schemas.microsoft.com/office/drawing/2014/main" id="{F2F63CF4-E391-DD4F-93D8-9F032F5077EC}"/>
-              </a:ext>
-            </a:extLst>
-          </p:cNvPr>
-          <p:cNvPicPr>
-            <a:picLocks noGrp="1" noChangeAspect="1"/>
-          </p:cNvPicPr>
+              <a:t>From orthography to phonetic features</a:t>
+            </a:r>
+          </a:p>
+        </p:txBody>
+      </p:sp>
+      <p:sp>
+        <p:nvSpPr>
+          <p:cNvPr id="3" name="Content Placeholder 2">
+            <a:extLst>
+              <a:ext uri="{FF2B5EF4-FFF2-40B4-BE49-F238E27FC236}">
+                <a16:creationId xmlns:a16="http://schemas.microsoft.com/office/drawing/2014/main" id="{48C0EC6C-1387-6949-AF0A-306783BB7284}"/>
+              </a:ext>
+            </a:extLst>
+          </p:cNvPr>
+          <p:cNvSpPr>
+            <a:spLocks noGrp="1"/>
+          </p:cNvSpPr>
           <p:nvPr>
             <p:ph idx="1"/>
           </p:nvPr>
-        </p:nvPicPr>
-        <p:blipFill>
-          <a:blip r:embed="rId2"/>
-          <a:stretch>
-            <a:fillRect/>
-          </a:stretch>
-        </p:blipFill>
-        <p:spPr>
-          <a:xfrm>
-            <a:off x="291968" y="2239617"/>
-            <a:ext cx="11608063" cy="2679942"/>
-          </a:xfrm>
-        </p:spPr>
-      </p:pic>
-      <p:sp>
-        <p:nvSpPr>
-          <p:cNvPr id="5" name="TextBox 4">
-            <a:extLst>
-              <a:ext uri="{FF2B5EF4-FFF2-40B4-BE49-F238E27FC236}">
-                <a16:creationId xmlns:a16="http://schemas.microsoft.com/office/drawing/2014/main" id="{D0D78C7C-FFAB-8E4F-B86D-3B5285922EFE}"/>
-              </a:ext>
-            </a:extLst>
-          </p:cNvPr>
-          <p:cNvSpPr txBox="1"/>
-          <p:nvPr/>
-        </p:nvSpPr>
-        <p:spPr>
-          <a:xfrm>
-            <a:off x="291968" y="5671930"/>
-            <a:ext cx="11462710" cy="369332"/>
-          </a:xfrm>
-          <a:prstGeom prst="rect">
-            <a:avLst/>
-          </a:prstGeom>
-          <a:noFill/>
-        </p:spPr>
-        <p:txBody>
-          <a:bodyPr wrap="square" rtlCol="0">
-            <a:spAutoFit/>
+        </p:nvSpPr>
+        <p:spPr/>
+        <p:txBody>
+          <a:bodyPr>
+            <a:normAutofit fontScale="85000" lnSpcReduction="10000"/>
           </a:bodyPr>
           <a:lstStyle/>
           <a:p>
+            <a:pPr>
+              <a:lnSpc>
+                <a:spcPct val="110000"/>
+              </a:lnSpc>
+            </a:pPr>
+            <a:r>
+              <a:rPr lang="en-US" dirty="0"/>
+              <a:t>Identify stress locations (http://</a:t>
+            </a:r>
             <a:r>
               <a:rPr lang="en-US" dirty="0" err="1"/>
-              <a:t>Valerij</a:t>
-            </a:r>
-            <a:r>
-              <a:rPr lang="en-US" dirty="0"/>
-              <a:t> </a:t>
+              <a:t>poetry.obdurodon.org</a:t>
+            </a:r>
+            <a:r>
+              <a:rPr lang="en-US" dirty="0"/>
+              <a:t>/metrical-</a:t>
             </a:r>
             <a:r>
               <a:rPr lang="en-US" dirty="0" err="1"/>
-              <a:t>Brjusov</a:t>
-            </a:r>
-            <a:r>
-              <a:rPr lang="en-US" dirty="0"/>
-              <a:t>, “Sonnet to form” (</a:t>
-            </a:r>
-            <a:r>
-              <a:rPr lang="ru-RU" dirty="0"/>
-              <a:t>1913</a:t>
+              <a:t>analysis.xhtml</a:t>
             </a:r>
             <a:r>
               <a:rPr lang="en-US" dirty="0"/>
               <a:t>)</a:t>
+            </a:r>
+          </a:p>
+          <a:p>
+            <a:pPr>
+              <a:lnSpc>
+                <a:spcPct val="110000"/>
+              </a:lnSpc>
+            </a:pPr>
+            <a:r>
+              <a:rPr lang="en-US" dirty="0"/>
+              <a:t>Convert from orthography to broad phonetic representation algorithmically (fifteen-step pipeline)</a:t>
+            </a:r>
+          </a:p>
+          <a:p>
+            <a:pPr>
+              <a:lnSpc>
+                <a:spcPct val="110000"/>
+              </a:lnSpc>
+            </a:pPr>
+            <a:r>
+              <a:rPr lang="en-US" dirty="0"/>
+              <a:t>Identify rhyme zone (~ </a:t>
+            </a:r>
+            <a:r>
+              <a:rPr lang="en-US" i="1" dirty="0" err="1"/>
+              <a:t>clausula</a:t>
+            </a:r>
+            <a:r>
+              <a:rPr lang="en-US" dirty="0"/>
+              <a:t>)</a:t>
+            </a:r>
+          </a:p>
+          <a:p>
+            <a:pPr>
+              <a:lnSpc>
+                <a:spcPct val="110000"/>
+              </a:lnSpc>
+            </a:pPr>
+            <a:r>
+              <a:rPr lang="en-US" dirty="0" err="1"/>
+              <a:t>Hierarachical</a:t>
+            </a:r>
+            <a:r>
+              <a:rPr lang="en-US" dirty="0"/>
+              <a:t> decomposition</a:t>
+            </a:r>
+          </a:p>
+          <a:p>
+            <a:pPr lvl="1">
+              <a:lnSpc>
+                <a:spcPct val="110000"/>
+              </a:lnSpc>
+            </a:pPr>
+            <a:r>
+              <a:rPr lang="en-US" dirty="0"/>
+              <a:t>String</a:t>
+            </a:r>
+          </a:p>
+          <a:p>
+            <a:pPr lvl="1">
+              <a:lnSpc>
+                <a:spcPct val="110000"/>
+              </a:lnSpc>
+            </a:pPr>
+            <a:r>
+              <a:rPr lang="en-US" dirty="0"/>
+              <a:t>Syllables</a:t>
+            </a:r>
+          </a:p>
+          <a:p>
+            <a:pPr lvl="1">
+              <a:lnSpc>
+                <a:spcPct val="110000"/>
+              </a:lnSpc>
+            </a:pPr>
+            <a:r>
+              <a:rPr lang="en-US" dirty="0"/>
+              <a:t>Onset, nucleus, coda</a:t>
+            </a:r>
+          </a:p>
+          <a:p>
+            <a:pPr lvl="1">
+              <a:lnSpc>
+                <a:spcPct val="110000"/>
+              </a:lnSpc>
+            </a:pPr>
+            <a:r>
+              <a:rPr lang="en-US" dirty="0"/>
+              <a:t>Segments</a:t>
+            </a:r>
+          </a:p>
+          <a:p>
+            <a:pPr lvl="1">
+              <a:lnSpc>
+                <a:spcPct val="110000"/>
+              </a:lnSpc>
+            </a:pPr>
+            <a:r>
+              <a:rPr lang="en-US" dirty="0"/>
+              <a:t>Distinctive features</a:t>
             </a:r>
           </a:p>
         </p:txBody>
@@ -5255,7 +6158,7 @@
     </p:spTree>
     <p:extLst>
       <p:ext uri="{BB962C8B-B14F-4D97-AF65-F5344CB8AC3E}">
-        <p14:creationId xmlns:p14="http://schemas.microsoft.com/office/powerpoint/2010/main" val="2161986550"/>
+        <p14:creationId xmlns:p14="http://schemas.microsoft.com/office/powerpoint/2010/main" val="3381025321"/>
       </p:ext>
     </p:extLst>
   </p:cSld>
@@ -5287,7 +6190,7 @@
           <p:cNvPr id="2" name="Title 1">
             <a:extLst>
               <a:ext uri="{FF2B5EF4-FFF2-40B4-BE49-F238E27FC236}">
-                <a16:creationId xmlns:a16="http://schemas.microsoft.com/office/drawing/2014/main" id="{DE79E339-9315-0B43-B728-ADB4EBA6D07F}"/>
+                <a16:creationId xmlns:a16="http://schemas.microsoft.com/office/drawing/2014/main" id="{C19EA504-5599-B942-9164-276FC7FA94AD}"/>
               </a:ext>
             </a:extLst>
           </p:cNvPr>
@@ -5300,69 +6203,49 @@
         </p:nvSpPr>
         <p:spPr/>
         <p:txBody>
-          <a:bodyPr>
-            <a:normAutofit/>
-          </a:bodyPr>
-          <a:lstStyle/>
-          <a:p>
-            <a:pPr rtl="0" eaLnBrk="1" latinLnBrk="0" hangingPunct="1"/>
-            <a:r>
-              <a:rPr lang="en-US" sz="4400" kern="1200" dirty="0">
-                <a:solidFill>
-                  <a:schemeClr val="tx1"/>
-                </a:solidFill>
-                <a:effectLst/>
-                <a:latin typeface="+mj-lt"/>
-                <a:ea typeface="+mj-ea"/>
-                <a:cs typeface="+mj-cs"/>
-              </a:rPr>
-              <a:t>Data:</a:t>
-            </a:r>
-            <a:r>
-              <a:rPr lang="en-US" sz="4400" kern="1200" baseline="0" dirty="0">
-                <a:solidFill>
-                  <a:schemeClr val="tx1"/>
-                </a:solidFill>
-                <a:effectLst/>
-                <a:latin typeface="+mj-lt"/>
-                <a:ea typeface="+mj-ea"/>
-                <a:cs typeface="+mj-cs"/>
-              </a:rPr>
-              <a:t> visualization</a:t>
-            </a:r>
-            <a:endParaRPr lang="en-US" dirty="0"/>
-          </a:p>
-        </p:txBody>
-      </p:sp>
-      <p:sp>
-        <p:nvSpPr>
-          <p:cNvPr id="3" name="Content Placeholder 2">
-            <a:extLst>
-              <a:ext uri="{FF2B5EF4-FFF2-40B4-BE49-F238E27FC236}">
-                <a16:creationId xmlns:a16="http://schemas.microsoft.com/office/drawing/2014/main" id="{BF660D09-20AF-8240-BD82-2D46669ED541}"/>
-              </a:ext>
-            </a:extLst>
-          </p:cNvPr>
-          <p:cNvSpPr>
-            <a:spLocks noGrp="1"/>
-          </p:cNvSpPr>
+          <a:bodyPr/>
+          <a:lstStyle/>
+          <a:p>
+            <a:r>
+              <a:rPr lang="en-US" dirty="0"/>
+              <a:t>Syllable decomposition</a:t>
+            </a:r>
+          </a:p>
+        </p:txBody>
+      </p:sp>
+      <p:pic>
+        <p:nvPicPr>
+          <p:cNvPr id="5" name="Content Placeholder 4">
+            <a:extLst>
+              <a:ext uri="{FF2B5EF4-FFF2-40B4-BE49-F238E27FC236}">
+                <a16:creationId xmlns:a16="http://schemas.microsoft.com/office/drawing/2014/main" id="{3EFBA119-B0C9-1640-B8D6-BE4B56DF7B30}"/>
+              </a:ext>
+            </a:extLst>
+          </p:cNvPr>
+          <p:cNvPicPr>
+            <a:picLocks noGrp="1" noChangeAspect="1"/>
+          </p:cNvPicPr>
           <p:nvPr>
             <p:ph idx="1"/>
           </p:nvPr>
-        </p:nvSpPr>
-        <p:spPr/>
-        <p:txBody>
-          <a:bodyPr/>
-          <a:lstStyle/>
-          <a:p>
-            <a:endParaRPr lang="en-US"/>
-          </a:p>
-        </p:txBody>
-      </p:sp>
+        </p:nvPicPr>
+        <p:blipFill>
+          <a:blip r:embed="rId2"/>
+          <a:stretch>
+            <a:fillRect/>
+          </a:stretch>
+        </p:blipFill>
+        <p:spPr>
+          <a:xfrm>
+            <a:off x="1970863" y="1862967"/>
+            <a:ext cx="8250274" cy="4826966"/>
+          </a:xfrm>
+        </p:spPr>
+      </p:pic>
     </p:spTree>
     <p:extLst>
       <p:ext uri="{BB962C8B-B14F-4D97-AF65-F5344CB8AC3E}">
-        <p14:creationId xmlns:p14="http://schemas.microsoft.com/office/powerpoint/2010/main" val="729278785"/>
+        <p14:creationId xmlns:p14="http://schemas.microsoft.com/office/powerpoint/2010/main" val="1767589617"/>
       </p:ext>
     </p:extLst>
   </p:cSld>
@@ -5394,7 +6277,7 @@
           <p:cNvPr id="2" name="Title 1">
             <a:extLst>
               <a:ext uri="{FF2B5EF4-FFF2-40B4-BE49-F238E27FC236}">
-                <a16:creationId xmlns:a16="http://schemas.microsoft.com/office/drawing/2014/main" id="{7A6C3C6C-3A0F-1349-967B-7CE85B67A99C}"/>
+                <a16:creationId xmlns:a16="http://schemas.microsoft.com/office/drawing/2014/main" id="{D3FB1992-09DC-A24E-9298-9F467D01B73F}"/>
               </a:ext>
             </a:extLst>
           </p:cNvPr>
@@ -5411,65 +6294,45 @@
           <a:lstStyle/>
           <a:p>
             <a:r>
-              <a:rPr lang="en-US" sz="4400" kern="1200" dirty="0" err="1">
-                <a:solidFill>
-                  <a:schemeClr val="tx1"/>
-                </a:solidFill>
-                <a:effectLst/>
-                <a:latin typeface="+mj-lt"/>
-                <a:ea typeface="+mj-ea"/>
-                <a:cs typeface="+mj-cs"/>
-              </a:rPr>
-              <a:t>Dat</a:t>
-            </a:r>
-            <a:r>
-              <a:rPr lang="en-US" sz="4400" kern="1200" dirty="0">
-                <a:solidFill>
-                  <a:schemeClr val="tx1"/>
-                </a:solidFill>
-                <a:effectLst/>
-                <a:latin typeface="+mj-lt"/>
-                <a:ea typeface="+mj-ea"/>
-                <a:cs typeface="+mj-cs"/>
-              </a:rPr>
-              <a:t>: analysis</a:t>
-            </a:r>
-            <a:r>
-              <a:rPr lang="en-US" dirty="0"/>
-              <a:t> </a:t>
-            </a:r>
-          </a:p>
-        </p:txBody>
-      </p:sp>
-      <p:sp>
-        <p:nvSpPr>
-          <p:cNvPr id="3" name="Content Placeholder 2">
-            <a:extLst>
-              <a:ext uri="{FF2B5EF4-FFF2-40B4-BE49-F238E27FC236}">
-                <a16:creationId xmlns:a16="http://schemas.microsoft.com/office/drawing/2014/main" id="{EE4CE4AE-9544-6C43-A8B2-7D1E35E7F451}"/>
-              </a:ext>
-            </a:extLst>
-          </p:cNvPr>
-          <p:cNvSpPr>
-            <a:spLocks noGrp="1"/>
-          </p:cNvSpPr>
+              <a:rPr lang="en-US" dirty="0"/>
+              <a:t>Feature matrix (excerpt)</a:t>
+            </a:r>
+          </a:p>
+        </p:txBody>
+      </p:sp>
+      <p:pic>
+        <p:nvPicPr>
+          <p:cNvPr id="5" name="Content Placeholder 4">
+            <a:extLst>
+              <a:ext uri="{FF2B5EF4-FFF2-40B4-BE49-F238E27FC236}">
+                <a16:creationId xmlns:a16="http://schemas.microsoft.com/office/drawing/2014/main" id="{2F27DB72-0A65-5747-A313-144FA02A844A}"/>
+              </a:ext>
+            </a:extLst>
+          </p:cNvPr>
+          <p:cNvPicPr>
+            <a:picLocks noGrp="1" noChangeAspect="1"/>
+          </p:cNvPicPr>
           <p:nvPr>
             <p:ph idx="1"/>
           </p:nvPr>
-        </p:nvSpPr>
-        <p:spPr/>
-        <p:txBody>
-          <a:bodyPr/>
-          <a:lstStyle/>
-          <a:p>
-            <a:endParaRPr lang="en-US"/>
-          </a:p>
-        </p:txBody>
-      </p:sp>
+        </p:nvPicPr>
+        <p:blipFill>
+          <a:blip r:embed="rId3"/>
+          <a:stretch>
+            <a:fillRect/>
+          </a:stretch>
+        </p:blipFill>
+        <p:spPr>
+          <a:xfrm>
+            <a:off x="838200" y="3061740"/>
+            <a:ext cx="10515600" cy="1879108"/>
+          </a:xfrm>
+        </p:spPr>
+      </p:pic>
     </p:spTree>
     <p:extLst>
       <p:ext uri="{BB962C8B-B14F-4D97-AF65-F5344CB8AC3E}">
-        <p14:creationId xmlns:p14="http://schemas.microsoft.com/office/powerpoint/2010/main" val="739089619"/>
+        <p14:creationId xmlns:p14="http://schemas.microsoft.com/office/powerpoint/2010/main" val="725008823"/>
       </p:ext>
     </p:extLst>
   </p:cSld>
@@ -5501,7 +6364,7 @@
           <p:cNvPr id="2" name="Title 1">
             <a:extLst>
               <a:ext uri="{FF2B5EF4-FFF2-40B4-BE49-F238E27FC236}">
-                <a16:creationId xmlns:a16="http://schemas.microsoft.com/office/drawing/2014/main" id="{7784F186-B5CD-4240-8C36-1E84D696E729}"/>
+                <a16:creationId xmlns:a16="http://schemas.microsoft.com/office/drawing/2014/main" id="{3D275434-01E4-9D48-9A70-DAFD29D9A624}"/>
               </a:ext>
             </a:extLst>
           </p:cNvPr>
@@ -5519,122 +6382,17 @@
           <a:p>
             <a:r>
               <a:rPr lang="en-US" dirty="0"/>
-              <a:t>Thank you!</a:t>
-            </a:r>
-          </a:p>
-        </p:txBody>
-      </p:sp>
-      <p:sp>
-        <p:nvSpPr>
-          <p:cNvPr id="3" name="Content Placeholder 2">
-            <a:extLst>
-              <a:ext uri="{FF2B5EF4-FFF2-40B4-BE49-F238E27FC236}">
-                <a16:creationId xmlns:a16="http://schemas.microsoft.com/office/drawing/2014/main" id="{B5F946F9-5BB1-9E48-A2A0-79DD91F75628}"/>
-              </a:ext>
-            </a:extLst>
-          </p:cNvPr>
-          <p:cNvSpPr>
-            <a:spLocks noGrp="1"/>
-          </p:cNvSpPr>
-          <p:nvPr>
-            <p:ph sz="half" idx="1"/>
-          </p:nvPr>
-        </p:nvSpPr>
-        <p:spPr/>
-        <p:txBody>
-          <a:bodyPr>
-            <a:normAutofit fontScale="92500" lnSpcReduction="20000"/>
-          </a:bodyPr>
-          <a:lstStyle/>
-          <a:p>
-            <a:pPr>
-              <a:lnSpc>
-                <a:spcPct val="110000"/>
-              </a:lnSpc>
-            </a:pPr>
-            <a:r>
-              <a:rPr lang="en-US" dirty="0"/>
-              <a:t>Co-investigator: Elise Thorsen</a:t>
-            </a:r>
-          </a:p>
-          <a:p>
-            <a:pPr>
-              <a:lnSpc>
-                <a:spcPct val="110000"/>
-              </a:lnSpc>
-            </a:pPr>
-            <a:r>
-              <a:rPr lang="en-US" dirty="0"/>
-              <a:t>Assisted by: Sam Depretis, Richie </a:t>
-            </a:r>
-            <a:r>
-              <a:rPr lang="en-US" dirty="0" err="1"/>
-              <a:t>Fulop</a:t>
-            </a:r>
-            <a:r>
-              <a:rPr lang="en-US" dirty="0"/>
-              <a:t>, Erin Harrigan, Kayleen Pickering</a:t>
-            </a:r>
-          </a:p>
-          <a:p>
-            <a:pPr>
-              <a:lnSpc>
-                <a:spcPct val="110000"/>
-              </a:lnSpc>
-            </a:pPr>
-            <a:r>
-              <a:rPr lang="en-US" dirty="0"/>
-              <a:t>Thanks to students and instructors in Ling 1340 for comments and suggestions</a:t>
-            </a:r>
-          </a:p>
-          <a:p>
-            <a:pPr>
-              <a:lnSpc>
-                <a:spcPct val="110000"/>
-              </a:lnSpc>
-            </a:pPr>
-            <a:r>
-              <a:rPr lang="en-US" dirty="0"/>
-              <a:t>http://</a:t>
-            </a:r>
-            <a:r>
-              <a:rPr lang="en-US" dirty="0" err="1"/>
-              <a:t>poetry.obdurodon.org</a:t>
-            </a:r>
-            <a:endParaRPr lang="en-US" dirty="0"/>
-          </a:p>
-          <a:p>
-            <a:pPr>
-              <a:lnSpc>
-                <a:spcPct val="110000"/>
-              </a:lnSpc>
-            </a:pPr>
-            <a:r>
-              <a:rPr lang="en-US" dirty="0"/>
-              <a:t>https://</a:t>
-            </a:r>
-            <a:r>
-              <a:rPr lang="en-US" dirty="0" err="1"/>
-              <a:t>github.com</a:t>
-            </a:r>
-            <a:r>
-              <a:rPr lang="en-US" dirty="0"/>
-              <a:t>/Data-Science-for-Linguists-2019/</a:t>
-            </a:r>
-            <a:r>
-              <a:rPr lang="en-US" dirty="0" err="1"/>
-              <a:t>russian_rhyme</a:t>
-            </a:r>
-            <a:endParaRPr lang="en-US" dirty="0"/>
+              <a:t>Perfect and imperfect rhyme</a:t>
+            </a:r>
           </a:p>
         </p:txBody>
       </p:sp>
       <p:pic>
         <p:nvPicPr>
-          <p:cNvPr id="6" name="Content Placeholder 5">
-            <a:extLst>
-              <a:ext uri="{FF2B5EF4-FFF2-40B4-BE49-F238E27FC236}">
-                <a16:creationId xmlns:a16="http://schemas.microsoft.com/office/drawing/2014/main" id="{C5E36948-56FB-7C42-AF52-722F79A50CB8}"/>
+          <p:cNvPr id="4" name="Content Placeholder 4">
+            <a:extLst>
+              <a:ext uri="{FF2B5EF4-FFF2-40B4-BE49-F238E27FC236}">
+                <a16:creationId xmlns:a16="http://schemas.microsoft.com/office/drawing/2014/main" id="{F2F63CF4-E391-DD4F-93D8-9F032F5077EC}"/>
               </a:ext>
             </a:extLst>
           </p:cNvPr>
@@ -5642,7 +6400,7 @@
             <a:picLocks noGrp="1" noChangeAspect="1"/>
           </p:cNvPicPr>
           <p:nvPr>
-            <p:ph sz="half" idx="2"/>
+            <p:ph idx="1"/>
           </p:nvPr>
         </p:nvPicPr>
         <p:blipFill>
@@ -5653,15 +6411,458 @@
         </p:blipFill>
         <p:spPr>
           <a:xfrm>
-            <a:off x="6623744" y="1825625"/>
-            <a:ext cx="4278512" cy="4351338"/>
+            <a:off x="278926" y="2604363"/>
+            <a:ext cx="11608063" cy="2679942"/>
           </a:xfrm>
         </p:spPr>
       </p:pic>
+      <p:sp>
+        <p:nvSpPr>
+          <p:cNvPr id="5" name="TextBox 4">
+            <a:extLst>
+              <a:ext uri="{FF2B5EF4-FFF2-40B4-BE49-F238E27FC236}">
+                <a16:creationId xmlns:a16="http://schemas.microsoft.com/office/drawing/2014/main" id="{D0D78C7C-FFAB-8E4F-B86D-3B5285922EFE}"/>
+              </a:ext>
+            </a:extLst>
+          </p:cNvPr>
+          <p:cNvSpPr txBox="1"/>
+          <p:nvPr/>
+        </p:nvSpPr>
+        <p:spPr>
+          <a:xfrm>
+            <a:off x="291968" y="5989982"/>
+            <a:ext cx="11462710" cy="369332"/>
+          </a:xfrm>
+          <a:prstGeom prst="rect">
+            <a:avLst/>
+          </a:prstGeom>
+          <a:noFill/>
+        </p:spPr>
+        <p:txBody>
+          <a:bodyPr wrap="square" rtlCol="0">
+            <a:spAutoFit/>
+          </a:bodyPr>
+          <a:lstStyle/>
+          <a:p>
+            <a:r>
+              <a:rPr lang="en-US" dirty="0" err="1"/>
+              <a:t>Valerij</a:t>
+            </a:r>
+            <a:r>
+              <a:rPr lang="en-US" dirty="0"/>
+              <a:t> </a:t>
+            </a:r>
+            <a:r>
+              <a:rPr lang="en-US" dirty="0" err="1"/>
+              <a:t>Brjusov</a:t>
+            </a:r>
+            <a:r>
+              <a:rPr lang="en-US" dirty="0"/>
+              <a:t>, “Sonnet to form” (</a:t>
+            </a:r>
+            <a:r>
+              <a:rPr lang="ru-RU" dirty="0"/>
+              <a:t>1913</a:t>
+            </a:r>
+            <a:r>
+              <a:rPr lang="en-US" dirty="0"/>
+              <a:t>)</a:t>
+            </a:r>
+          </a:p>
+        </p:txBody>
+      </p:sp>
+      <p:sp>
+        <p:nvSpPr>
+          <p:cNvPr id="6" name="TextBox 5">
+            <a:extLst>
+              <a:ext uri="{FF2B5EF4-FFF2-40B4-BE49-F238E27FC236}">
+                <a16:creationId xmlns:a16="http://schemas.microsoft.com/office/drawing/2014/main" id="{461433B4-8BDC-7643-9946-1F1CCDB81C97}"/>
+              </a:ext>
+            </a:extLst>
+          </p:cNvPr>
+          <p:cNvSpPr txBox="1"/>
+          <p:nvPr/>
+        </p:nvSpPr>
+        <p:spPr>
+          <a:xfrm>
+            <a:off x="291968" y="1721369"/>
+            <a:ext cx="11581980" cy="400110"/>
+          </a:xfrm>
+          <a:prstGeom prst="rect">
+            <a:avLst/>
+          </a:prstGeom>
+          <a:noFill/>
+        </p:spPr>
+        <p:txBody>
+          <a:bodyPr wrap="square" rtlCol="0">
+            <a:spAutoFit/>
+          </a:bodyPr>
+          <a:lstStyle/>
+          <a:p>
+            <a:r>
+              <a:rPr lang="en-US" sz="2000" dirty="0"/>
+              <a:t>String → syllables → onset / nucleus / coda → segments → features</a:t>
+            </a:r>
+          </a:p>
+        </p:txBody>
+      </p:sp>
     </p:spTree>
     <p:extLst>
       <p:ext uri="{BB962C8B-B14F-4D97-AF65-F5344CB8AC3E}">
-        <p14:creationId xmlns:p14="http://schemas.microsoft.com/office/powerpoint/2010/main" val="99321231"/>
+        <p14:creationId xmlns:p14="http://schemas.microsoft.com/office/powerpoint/2010/main" val="2161986550"/>
+      </p:ext>
+    </p:extLst>
+  </p:cSld>
+  <p:clrMapOvr>
+    <a:masterClrMapping/>
+  </p:clrMapOvr>
+</p:sld>
+</file>
+
+<file path=ppt/slides/slide18.xml><?xml version="1.0" encoding="utf-8"?>
+<p:sld xmlns:a="http://schemas.openxmlformats.org/drawingml/2006/main" xmlns:r="http://schemas.openxmlformats.org/officeDocument/2006/relationships" xmlns:p="http://schemas.openxmlformats.org/presentationml/2006/main">
+  <p:cSld>
+    <p:spTree>
+      <p:nvGrpSpPr>
+        <p:cNvPr id="1" name=""/>
+        <p:cNvGrpSpPr/>
+        <p:nvPr/>
+      </p:nvGrpSpPr>
+      <p:grpSpPr>
+        <a:xfrm>
+          <a:off x="0" y="0"/>
+          <a:ext cx="0" cy="0"/>
+          <a:chOff x="0" y="0"/>
+          <a:chExt cx="0" cy="0"/>
+        </a:xfrm>
+      </p:grpSpPr>
+      <p:sp>
+        <p:nvSpPr>
+          <p:cNvPr id="2" name="Title 1">
+            <a:extLst>
+              <a:ext uri="{FF2B5EF4-FFF2-40B4-BE49-F238E27FC236}">
+                <a16:creationId xmlns:a16="http://schemas.microsoft.com/office/drawing/2014/main" id="{00E7ACE7-B2A8-3444-B493-217C8E01E419}"/>
+              </a:ext>
+            </a:extLst>
+          </p:cNvPr>
+          <p:cNvSpPr>
+            <a:spLocks noGrp="1"/>
+          </p:cNvSpPr>
+          <p:nvPr>
+            <p:ph type="title"/>
+          </p:nvPr>
+        </p:nvSpPr>
+        <p:spPr/>
+        <p:txBody>
+          <a:bodyPr/>
+          <a:lstStyle/>
+          <a:p>
+            <a:r>
+              <a:rPr lang="en-US" dirty="0"/>
+              <a:t>Machine learning applications (planned)</a:t>
+            </a:r>
+          </a:p>
+        </p:txBody>
+      </p:sp>
+      <p:sp>
+        <p:nvSpPr>
+          <p:cNvPr id="3" name="Content Placeholder 2">
+            <a:extLst>
+              <a:ext uri="{FF2B5EF4-FFF2-40B4-BE49-F238E27FC236}">
+                <a16:creationId xmlns:a16="http://schemas.microsoft.com/office/drawing/2014/main" id="{F79AA14D-4B62-2749-A404-EDF6711C02B4}"/>
+              </a:ext>
+            </a:extLst>
+          </p:cNvPr>
+          <p:cNvSpPr>
+            <a:spLocks noGrp="1"/>
+          </p:cNvSpPr>
+          <p:nvPr>
+            <p:ph idx="1"/>
+          </p:nvPr>
+        </p:nvSpPr>
+        <p:spPr/>
+        <p:txBody>
+          <a:bodyPr/>
+          <a:lstStyle/>
+          <a:p>
+            <a:r>
+              <a:rPr lang="en-US" dirty="0"/>
+              <a:t>Rhyme identification</a:t>
+            </a:r>
+          </a:p>
+          <a:p>
+            <a:pPr lvl="1"/>
+            <a:r>
+              <a:rPr lang="en-US" dirty="0"/>
+              <a:t>Classification</a:t>
+            </a:r>
+          </a:p>
+          <a:p>
+            <a:pPr lvl="1"/>
+            <a:r>
+              <a:rPr lang="en-US" dirty="0"/>
+              <a:t>Clustering</a:t>
+            </a:r>
+          </a:p>
+          <a:p>
+            <a:r>
+              <a:rPr lang="en-US" dirty="0"/>
+              <a:t>Rhyme analysis</a:t>
+            </a:r>
+          </a:p>
+          <a:p>
+            <a:pPr lvl="1"/>
+            <a:r>
+              <a:rPr lang="en-US" dirty="0"/>
+              <a:t>Feature loading</a:t>
+            </a:r>
+          </a:p>
+        </p:txBody>
+      </p:sp>
+    </p:spTree>
+    <p:extLst>
+      <p:ext uri="{BB962C8B-B14F-4D97-AF65-F5344CB8AC3E}">
+        <p14:creationId xmlns:p14="http://schemas.microsoft.com/office/powerpoint/2010/main" val="1718566090"/>
+      </p:ext>
+    </p:extLst>
+  </p:cSld>
+  <p:clrMapOvr>
+    <a:masterClrMapping/>
+  </p:clrMapOvr>
+</p:sld>
+</file>
+
+<file path=ppt/slides/slide19.xml><?xml version="1.0" encoding="utf-8"?>
+<p:sld xmlns:a="http://schemas.openxmlformats.org/drawingml/2006/main" xmlns:r="http://schemas.openxmlformats.org/officeDocument/2006/relationships" xmlns:p="http://schemas.openxmlformats.org/presentationml/2006/main">
+  <p:cSld>
+    <p:spTree>
+      <p:nvGrpSpPr>
+        <p:cNvPr id="1" name=""/>
+        <p:cNvGrpSpPr/>
+        <p:nvPr/>
+      </p:nvGrpSpPr>
+      <p:grpSpPr>
+        <a:xfrm>
+          <a:off x="0" y="0"/>
+          <a:ext cx="0" cy="0"/>
+          <a:chOff x="0" y="0"/>
+          <a:chExt cx="0" cy="0"/>
+        </a:xfrm>
+      </p:grpSpPr>
+      <p:sp>
+        <p:nvSpPr>
+          <p:cNvPr id="2" name="Title 1">
+            <a:extLst>
+              <a:ext uri="{FF2B5EF4-FFF2-40B4-BE49-F238E27FC236}">
+                <a16:creationId xmlns:a16="http://schemas.microsoft.com/office/drawing/2014/main" id="{7E59E74D-ED99-5540-8EC5-416DA4313B39}"/>
+              </a:ext>
+            </a:extLst>
+          </p:cNvPr>
+          <p:cNvSpPr>
+            <a:spLocks noGrp="1"/>
+          </p:cNvSpPr>
+          <p:nvPr>
+            <p:ph type="title"/>
+          </p:nvPr>
+        </p:nvSpPr>
+        <p:spPr/>
+        <p:txBody>
+          <a:bodyPr/>
+          <a:lstStyle/>
+          <a:p>
+            <a:r>
+              <a:rPr lang="en-US" dirty="0"/>
+              <a:t>Machine learning 1: classification</a:t>
+            </a:r>
+          </a:p>
+        </p:txBody>
+      </p:sp>
+      <p:sp>
+        <p:nvSpPr>
+          <p:cNvPr id="3" name="Content Placeholder 2">
+            <a:extLst>
+              <a:ext uri="{FF2B5EF4-FFF2-40B4-BE49-F238E27FC236}">
+                <a16:creationId xmlns:a16="http://schemas.microsoft.com/office/drawing/2014/main" id="{92473F99-F703-014D-8580-A21D18FA5784}"/>
+              </a:ext>
+            </a:extLst>
+          </p:cNvPr>
+          <p:cNvSpPr>
+            <a:spLocks noGrp="1"/>
+          </p:cNvSpPr>
+          <p:nvPr>
+            <p:ph idx="1"/>
+          </p:nvPr>
+        </p:nvSpPr>
+        <p:spPr>
+          <a:xfrm>
+            <a:off x="838200" y="1825625"/>
+            <a:ext cx="10515600" cy="4508914"/>
+          </a:xfrm>
+        </p:spPr>
+        <p:txBody>
+          <a:bodyPr>
+            <a:normAutofit fontScale="77500" lnSpcReduction="20000"/>
+          </a:bodyPr>
+          <a:lstStyle/>
+          <a:p>
+            <a:pPr>
+              <a:lnSpc>
+                <a:spcPct val="120000"/>
+              </a:lnSpc>
+            </a:pPr>
+            <a:r>
+              <a:rPr lang="en-US" dirty="0"/>
+              <a:t>Overview</a:t>
+            </a:r>
+          </a:p>
+          <a:p>
+            <a:pPr lvl="1">
+              <a:lnSpc>
+                <a:spcPct val="120000"/>
+              </a:lnSpc>
+            </a:pPr>
+            <a:r>
+              <a:rPr lang="en-US" dirty="0"/>
+              <a:t>Corpus with rhyme identified at level of line</a:t>
+            </a:r>
+          </a:p>
+          <a:p>
+            <a:pPr lvl="1">
+              <a:lnSpc>
+                <a:spcPct val="120000"/>
+              </a:lnSpc>
+            </a:pPr>
+            <a:r>
+              <a:rPr lang="en-US" dirty="0"/>
+              <a:t>Train classifier on features, where columns represent combinations of syllable position (with respect to final stressed vowel), syllable part, segments, and phonetic distinctive features</a:t>
+            </a:r>
+          </a:p>
+          <a:p>
+            <a:pPr lvl="1">
+              <a:lnSpc>
+                <a:spcPct val="120000"/>
+              </a:lnSpc>
+            </a:pPr>
+            <a:r>
+              <a:rPr lang="en-US" dirty="0"/>
+              <a:t>Compare all lines in rhyme domain (?) pairwise: </a:t>
+            </a:r>
+            <a:r>
+              <a:rPr lang="en-US" i="1" dirty="0"/>
+              <a:t>O(n</a:t>
+            </a:r>
+            <a:r>
+              <a:rPr lang="en-US" i="1" baseline="30000" dirty="0"/>
+              <a:t>2</a:t>
+            </a:r>
+            <a:r>
+              <a:rPr lang="en-US" i="1" dirty="0"/>
+              <a:t>)</a:t>
+            </a:r>
+          </a:p>
+          <a:p>
+            <a:pPr>
+              <a:lnSpc>
+                <a:spcPct val="120000"/>
+              </a:lnSpc>
+            </a:pPr>
+            <a:r>
+              <a:rPr lang="en-US" dirty="0"/>
+              <a:t>Challenges</a:t>
+            </a:r>
+          </a:p>
+          <a:p>
+            <a:pPr lvl="1">
+              <a:lnSpc>
+                <a:spcPct val="120000"/>
+              </a:lnSpc>
+            </a:pPr>
+            <a:r>
+              <a:rPr lang="en-US" dirty="0"/>
+              <a:t>Not all distinctive features are mutually independent, although none is fully redundant</a:t>
+            </a:r>
+          </a:p>
+          <a:p>
+            <a:pPr lvl="2">
+              <a:lnSpc>
+                <a:spcPct val="120000"/>
+              </a:lnSpc>
+            </a:pPr>
+            <a:r>
+              <a:rPr lang="en-US" dirty="0"/>
+              <a:t>Russian has only bilabial and dental nasals; no palatal or velar</a:t>
+            </a:r>
+          </a:p>
+          <a:p>
+            <a:pPr lvl="1">
+              <a:lnSpc>
+                <a:spcPct val="120000"/>
+              </a:lnSpc>
+            </a:pPr>
+            <a:r>
+              <a:rPr lang="en-US" dirty="0"/>
+              <a:t>Null values (different numbers of syllables and segments in different lines)</a:t>
+            </a:r>
+          </a:p>
+          <a:p>
+            <a:pPr lvl="1">
+              <a:lnSpc>
+                <a:spcPct val="120000"/>
+              </a:lnSpc>
+            </a:pPr>
+            <a:r>
+              <a:rPr lang="en-US" dirty="0"/>
+              <a:t>Segment alignment in onset and coda: </a:t>
+            </a:r>
+            <a:r>
+              <a:rPr lang="en-US" i="1" dirty="0"/>
+              <a:t>stop</a:t>
+            </a:r>
+            <a:r>
+              <a:rPr lang="en-US" dirty="0"/>
+              <a:t> ~ </a:t>
+            </a:r>
+            <a:r>
+              <a:rPr lang="en-US" i="1" dirty="0"/>
+              <a:t>sop</a:t>
+            </a:r>
+            <a:r>
+              <a:rPr lang="en-US" dirty="0"/>
+              <a:t> ~ </a:t>
+            </a:r>
+            <a:r>
+              <a:rPr lang="en-US" i="1" dirty="0"/>
+              <a:t>top</a:t>
+            </a:r>
+          </a:p>
+          <a:p>
+            <a:pPr lvl="1">
+              <a:lnSpc>
+                <a:spcPct val="120000"/>
+              </a:lnSpc>
+            </a:pPr>
+            <a:r>
+              <a:rPr lang="en-US" dirty="0"/>
+              <a:t>Rhyme domain (interline distance, stanza, etc.)</a:t>
+            </a:r>
+          </a:p>
+          <a:p>
+            <a:pPr lvl="1">
+              <a:lnSpc>
+                <a:spcPct val="120000"/>
+              </a:lnSpc>
+            </a:pPr>
+            <a:r>
+              <a:rPr lang="en-US" dirty="0"/>
+              <a:t>Rhyme scheme (two-pass?)</a:t>
+            </a:r>
+          </a:p>
+        </p:txBody>
+      </p:sp>
+    </p:spTree>
+    <p:extLst>
+      <p:ext uri="{BB962C8B-B14F-4D97-AF65-F5344CB8AC3E}">
+        <p14:creationId xmlns:p14="http://schemas.microsoft.com/office/powerpoint/2010/main" val="1451530189"/>
       </p:ext>
     </p:extLst>
   </p:cSld>
@@ -5735,7 +6936,7 @@
         <p:spPr/>
         <p:txBody>
           <a:bodyPr>
-            <a:normAutofit lnSpcReduction="10000"/>
+            <a:normAutofit/>
           </a:bodyPr>
           <a:lstStyle/>
           <a:p>
@@ -5788,28 +6989,7 @@
           <a:p>
             <a:r>
               <a:rPr lang="en-US" dirty="0"/>
-              <a:t>Data and findings</a:t>
-            </a:r>
-          </a:p>
-          <a:p>
-            <a:pPr lvl="1"/>
-            <a:r>
-              <a:rPr lang="en-US" dirty="0"/>
               <a:t>Method</a:t>
-            </a:r>
-          </a:p>
-          <a:p>
-            <a:pPr lvl="1"/>
-            <a:r>
-              <a:rPr lang="en-US" dirty="0"/>
-              <a:t>Visualization</a:t>
-            </a:r>
-          </a:p>
-          <a:p>
-            <a:pPr lvl="1"/>
-            <a:r>
-              <a:rPr lang="en-US" dirty="0"/>
-              <a:t>Analysis</a:t>
             </a:r>
           </a:p>
         </p:txBody>
@@ -5818,6 +6998,466 @@
     <p:extLst>
       <p:ext uri="{BB962C8B-B14F-4D97-AF65-F5344CB8AC3E}">
         <p14:creationId xmlns:p14="http://schemas.microsoft.com/office/powerpoint/2010/main" val="2015264498"/>
+      </p:ext>
+    </p:extLst>
+  </p:cSld>
+  <p:clrMapOvr>
+    <a:masterClrMapping/>
+  </p:clrMapOvr>
+</p:sld>
+</file>
+
+<file path=ppt/slides/slide20.xml><?xml version="1.0" encoding="utf-8"?>
+<p:sld xmlns:a="http://schemas.openxmlformats.org/drawingml/2006/main" xmlns:r="http://schemas.openxmlformats.org/officeDocument/2006/relationships" xmlns:p="http://schemas.openxmlformats.org/presentationml/2006/main">
+  <p:cSld>
+    <p:spTree>
+      <p:nvGrpSpPr>
+        <p:cNvPr id="1" name=""/>
+        <p:cNvGrpSpPr/>
+        <p:nvPr/>
+      </p:nvGrpSpPr>
+      <p:grpSpPr>
+        <a:xfrm>
+          <a:off x="0" y="0"/>
+          <a:ext cx="0" cy="0"/>
+          <a:chOff x="0" y="0"/>
+          <a:chExt cx="0" cy="0"/>
+        </a:xfrm>
+      </p:grpSpPr>
+      <p:sp>
+        <p:nvSpPr>
+          <p:cNvPr id="2" name="Title 1">
+            <a:extLst>
+              <a:ext uri="{FF2B5EF4-FFF2-40B4-BE49-F238E27FC236}">
+                <a16:creationId xmlns:a16="http://schemas.microsoft.com/office/drawing/2014/main" id="{115AEA17-FF25-9045-8A96-3135DFE91C39}"/>
+              </a:ext>
+            </a:extLst>
+          </p:cNvPr>
+          <p:cNvSpPr>
+            <a:spLocks noGrp="1"/>
+          </p:cNvSpPr>
+          <p:nvPr>
+            <p:ph type="title"/>
+          </p:nvPr>
+        </p:nvSpPr>
+        <p:spPr/>
+        <p:txBody>
+          <a:bodyPr/>
+          <a:lstStyle/>
+          <a:p>
+            <a:r>
+              <a:rPr lang="en-US" dirty="0"/>
+              <a:t>Machine learning 2: clustering</a:t>
+            </a:r>
+          </a:p>
+        </p:txBody>
+      </p:sp>
+      <p:sp>
+        <p:nvSpPr>
+          <p:cNvPr id="3" name="Content Placeholder 2">
+            <a:extLst>
+              <a:ext uri="{FF2B5EF4-FFF2-40B4-BE49-F238E27FC236}">
+                <a16:creationId xmlns:a16="http://schemas.microsoft.com/office/drawing/2014/main" id="{8561402A-D969-0340-A4D1-DBFCB8A8F232}"/>
+              </a:ext>
+            </a:extLst>
+          </p:cNvPr>
+          <p:cNvSpPr>
+            <a:spLocks noGrp="1"/>
+          </p:cNvSpPr>
+          <p:nvPr>
+            <p:ph idx="1"/>
+          </p:nvPr>
+        </p:nvSpPr>
+        <p:spPr/>
+        <p:txBody>
+          <a:bodyPr/>
+          <a:lstStyle/>
+          <a:p>
+            <a:r>
+              <a:rPr lang="en-US" dirty="0"/>
+              <a:t>Overview</a:t>
+            </a:r>
+          </a:p>
+          <a:p>
+            <a:pPr lvl="1">
+              <a:lnSpc>
+                <a:spcPct val="100000"/>
+              </a:lnSpc>
+            </a:pPr>
+            <a:r>
+              <a:rPr lang="en-US" dirty="0"/>
+              <a:t>Training and testing corpora have rhyme identified at level of line</a:t>
+            </a:r>
+          </a:p>
+          <a:p>
+            <a:pPr lvl="1">
+              <a:lnSpc>
+                <a:spcPct val="100000"/>
+              </a:lnSpc>
+            </a:pPr>
+            <a:r>
+              <a:rPr lang="en-US" dirty="0"/>
+              <a:t>Hierarchical (to avoid having to specify number of clusters in advance)</a:t>
+            </a:r>
+          </a:p>
+          <a:p>
+            <a:pPr lvl="1">
+              <a:lnSpc>
+                <a:spcPct val="100000"/>
+              </a:lnSpc>
+            </a:pPr>
+            <a:r>
+              <a:rPr lang="en-US" dirty="0"/>
+              <a:t>Cluster on features, where columns represent combinations of syllable position (with respect to final stressed vowel), syllable part, segments, and phonetic distinctive features</a:t>
+            </a:r>
+          </a:p>
+          <a:p>
+            <a:pPr>
+              <a:lnSpc>
+                <a:spcPct val="100000"/>
+              </a:lnSpc>
+            </a:pPr>
+            <a:r>
+              <a:rPr lang="en-US" dirty="0"/>
+              <a:t>Challenges</a:t>
+            </a:r>
+          </a:p>
+          <a:p>
+            <a:pPr lvl="1">
+              <a:lnSpc>
+                <a:spcPct val="100000"/>
+              </a:lnSpc>
+            </a:pPr>
+            <a:r>
+              <a:rPr lang="en-US" dirty="0"/>
+              <a:t>Same as with classification, plus …</a:t>
+            </a:r>
+          </a:p>
+          <a:p>
+            <a:pPr lvl="1">
+              <a:lnSpc>
+                <a:spcPct val="100000"/>
+              </a:lnSpc>
+            </a:pPr>
+            <a:r>
+              <a:rPr lang="en-US" dirty="0"/>
+              <a:t>Where to cut</a:t>
+            </a:r>
+          </a:p>
+          <a:p>
+            <a:pPr lvl="1"/>
+            <a:endParaRPr lang="en-US" dirty="0"/>
+          </a:p>
+          <a:p>
+            <a:pPr lvl="1"/>
+            <a:endParaRPr lang="en-US" dirty="0"/>
+          </a:p>
+        </p:txBody>
+      </p:sp>
+    </p:spTree>
+    <p:extLst>
+      <p:ext uri="{BB962C8B-B14F-4D97-AF65-F5344CB8AC3E}">
+        <p14:creationId xmlns:p14="http://schemas.microsoft.com/office/powerpoint/2010/main" val="3790035945"/>
+      </p:ext>
+    </p:extLst>
+  </p:cSld>
+  <p:clrMapOvr>
+    <a:masterClrMapping/>
+  </p:clrMapOvr>
+</p:sld>
+</file>
+
+<file path=ppt/slides/slide21.xml><?xml version="1.0" encoding="utf-8"?>
+<p:sld xmlns:a="http://schemas.openxmlformats.org/drawingml/2006/main" xmlns:r="http://schemas.openxmlformats.org/officeDocument/2006/relationships" xmlns:p="http://schemas.openxmlformats.org/presentationml/2006/main">
+  <p:cSld>
+    <p:spTree>
+      <p:nvGrpSpPr>
+        <p:cNvPr id="1" name=""/>
+        <p:cNvGrpSpPr/>
+        <p:nvPr/>
+      </p:nvGrpSpPr>
+      <p:grpSpPr>
+        <a:xfrm>
+          <a:off x="0" y="0"/>
+          <a:ext cx="0" cy="0"/>
+          <a:chOff x="0" y="0"/>
+          <a:chExt cx="0" cy="0"/>
+        </a:xfrm>
+      </p:grpSpPr>
+      <p:sp>
+        <p:nvSpPr>
+          <p:cNvPr id="2" name="Title 1">
+            <a:extLst>
+              <a:ext uri="{FF2B5EF4-FFF2-40B4-BE49-F238E27FC236}">
+                <a16:creationId xmlns:a16="http://schemas.microsoft.com/office/drawing/2014/main" id="{28AF9196-A658-C748-A92A-7CFE54556801}"/>
+              </a:ext>
+            </a:extLst>
+          </p:cNvPr>
+          <p:cNvSpPr>
+            <a:spLocks noGrp="1"/>
+          </p:cNvSpPr>
+          <p:nvPr>
+            <p:ph type="title"/>
+          </p:nvPr>
+        </p:nvSpPr>
+        <p:spPr/>
+        <p:txBody>
+          <a:bodyPr/>
+          <a:lstStyle/>
+          <a:p>
+            <a:r>
+              <a:rPr lang="en-US" dirty="0"/>
+              <a:t>Machine learning 3: analysis</a:t>
+            </a:r>
+          </a:p>
+        </p:txBody>
+      </p:sp>
+      <p:sp>
+        <p:nvSpPr>
+          <p:cNvPr id="3" name="Content Placeholder 2">
+            <a:extLst>
+              <a:ext uri="{FF2B5EF4-FFF2-40B4-BE49-F238E27FC236}">
+                <a16:creationId xmlns:a16="http://schemas.microsoft.com/office/drawing/2014/main" id="{D76E5850-94A8-DA49-9AB1-0C0E80286BB6}"/>
+              </a:ext>
+            </a:extLst>
+          </p:cNvPr>
+          <p:cNvSpPr>
+            <a:spLocks noGrp="1"/>
+          </p:cNvSpPr>
+          <p:nvPr>
+            <p:ph idx="1"/>
+          </p:nvPr>
+        </p:nvSpPr>
+        <p:spPr/>
+        <p:txBody>
+          <a:bodyPr/>
+          <a:lstStyle/>
+          <a:p>
+            <a:r>
+              <a:rPr lang="en-US" dirty="0"/>
+              <a:t>Feature loading</a:t>
+            </a:r>
+          </a:p>
+          <a:p>
+            <a:pPr lvl="1"/>
+            <a:r>
+              <a:rPr lang="en-US" dirty="0"/>
+              <a:t>Overall</a:t>
+            </a:r>
+          </a:p>
+          <a:p>
+            <a:pPr lvl="1"/>
+            <a:r>
+              <a:rPr lang="en-US" dirty="0"/>
+              <a:t>With respect to </a:t>
+            </a:r>
+            <a:r>
+              <a:rPr lang="en-US" dirty="0" err="1"/>
+              <a:t>subcorpora</a:t>
+            </a:r>
+            <a:r>
+              <a:rPr lang="en-US" dirty="0"/>
+              <a:t> (poet, period, movement, genre)</a:t>
+            </a:r>
+          </a:p>
+        </p:txBody>
+      </p:sp>
+    </p:spTree>
+    <p:extLst>
+      <p:ext uri="{BB962C8B-B14F-4D97-AF65-F5344CB8AC3E}">
+        <p14:creationId xmlns:p14="http://schemas.microsoft.com/office/powerpoint/2010/main" val="534721666"/>
+      </p:ext>
+    </p:extLst>
+  </p:cSld>
+  <p:clrMapOvr>
+    <a:masterClrMapping/>
+  </p:clrMapOvr>
+</p:sld>
+</file>
+
+<file path=ppt/slides/slide22.xml><?xml version="1.0" encoding="utf-8"?>
+<p:sld xmlns:a="http://schemas.openxmlformats.org/drawingml/2006/main" xmlns:r="http://schemas.openxmlformats.org/officeDocument/2006/relationships" xmlns:p="http://schemas.openxmlformats.org/presentationml/2006/main">
+  <p:cSld>
+    <p:spTree>
+      <p:nvGrpSpPr>
+        <p:cNvPr id="1" name=""/>
+        <p:cNvGrpSpPr/>
+        <p:nvPr/>
+      </p:nvGrpSpPr>
+      <p:grpSpPr>
+        <a:xfrm>
+          <a:off x="0" y="0"/>
+          <a:ext cx="0" cy="0"/>
+          <a:chOff x="0" y="0"/>
+          <a:chExt cx="0" cy="0"/>
+        </a:xfrm>
+      </p:grpSpPr>
+      <p:sp>
+        <p:nvSpPr>
+          <p:cNvPr id="2" name="Title 1">
+            <a:extLst>
+              <a:ext uri="{FF2B5EF4-FFF2-40B4-BE49-F238E27FC236}">
+                <a16:creationId xmlns:a16="http://schemas.microsoft.com/office/drawing/2014/main" id="{7784F186-B5CD-4240-8C36-1E84D696E729}"/>
+              </a:ext>
+            </a:extLst>
+          </p:cNvPr>
+          <p:cNvSpPr>
+            <a:spLocks noGrp="1"/>
+          </p:cNvSpPr>
+          <p:nvPr>
+            <p:ph type="title"/>
+          </p:nvPr>
+        </p:nvSpPr>
+        <p:spPr/>
+        <p:txBody>
+          <a:bodyPr/>
+          <a:lstStyle/>
+          <a:p>
+            <a:r>
+              <a:rPr lang="en-US" dirty="0"/>
+              <a:t>Thank you!</a:t>
+            </a:r>
+          </a:p>
+        </p:txBody>
+      </p:sp>
+      <p:sp>
+        <p:nvSpPr>
+          <p:cNvPr id="3" name="Content Placeholder 2">
+            <a:extLst>
+              <a:ext uri="{FF2B5EF4-FFF2-40B4-BE49-F238E27FC236}">
+                <a16:creationId xmlns:a16="http://schemas.microsoft.com/office/drawing/2014/main" id="{B5F946F9-5BB1-9E48-A2A0-79DD91F75628}"/>
+              </a:ext>
+            </a:extLst>
+          </p:cNvPr>
+          <p:cNvSpPr>
+            <a:spLocks noGrp="1"/>
+          </p:cNvSpPr>
+          <p:nvPr>
+            <p:ph sz="half" idx="1"/>
+          </p:nvPr>
+        </p:nvSpPr>
+        <p:spPr/>
+        <p:txBody>
+          <a:bodyPr>
+            <a:normAutofit fontScale="92500" lnSpcReduction="20000"/>
+          </a:bodyPr>
+          <a:lstStyle/>
+          <a:p>
+            <a:pPr>
+              <a:lnSpc>
+                <a:spcPct val="110000"/>
+              </a:lnSpc>
+            </a:pPr>
+            <a:r>
+              <a:rPr lang="en-US" dirty="0"/>
+              <a:t>Co-investigator: Elise Thorsen</a:t>
+            </a:r>
+          </a:p>
+          <a:p>
+            <a:pPr>
+              <a:lnSpc>
+                <a:spcPct val="110000"/>
+              </a:lnSpc>
+            </a:pPr>
+            <a:r>
+              <a:rPr lang="en-US" dirty="0"/>
+              <a:t>Assisted by: Sam Depretis, Richie </a:t>
+            </a:r>
+            <a:r>
+              <a:rPr lang="en-US" dirty="0" err="1"/>
+              <a:t>Fulop</a:t>
+            </a:r>
+            <a:r>
+              <a:rPr lang="en-US" dirty="0"/>
+              <a:t>, Erin Harrigan, Kayleen Pickering</a:t>
+            </a:r>
+          </a:p>
+          <a:p>
+            <a:pPr>
+              <a:lnSpc>
+                <a:spcPct val="110000"/>
+              </a:lnSpc>
+            </a:pPr>
+            <a:r>
+              <a:rPr lang="en-US" dirty="0"/>
+              <a:t>Thanks to students and instructors in Ling 1340 for comments and suggestions</a:t>
+            </a:r>
+          </a:p>
+          <a:p>
+            <a:pPr>
+              <a:lnSpc>
+                <a:spcPct val="110000"/>
+              </a:lnSpc>
+            </a:pPr>
+            <a:r>
+              <a:rPr lang="en-US" dirty="0"/>
+              <a:t>http://</a:t>
+            </a:r>
+            <a:r>
+              <a:rPr lang="en-US" dirty="0" err="1"/>
+              <a:t>poetry.obdurodon.org</a:t>
+            </a:r>
+            <a:endParaRPr lang="en-US" dirty="0"/>
+          </a:p>
+          <a:p>
+            <a:pPr>
+              <a:lnSpc>
+                <a:spcPct val="110000"/>
+              </a:lnSpc>
+            </a:pPr>
+            <a:r>
+              <a:rPr lang="en-US" dirty="0"/>
+              <a:t>https://</a:t>
+            </a:r>
+            <a:r>
+              <a:rPr lang="en-US" dirty="0" err="1"/>
+              <a:t>github.com</a:t>
+            </a:r>
+            <a:r>
+              <a:rPr lang="en-US" dirty="0"/>
+              <a:t>/Data-Science-for-Linguists-2019/</a:t>
+            </a:r>
+            <a:r>
+              <a:rPr lang="en-US" dirty="0" err="1"/>
+              <a:t>russian_rhyme</a:t>
+            </a:r>
+            <a:endParaRPr lang="en-US" dirty="0"/>
+          </a:p>
+        </p:txBody>
+      </p:sp>
+      <p:pic>
+        <p:nvPicPr>
+          <p:cNvPr id="6" name="Content Placeholder 5">
+            <a:extLst>
+              <a:ext uri="{FF2B5EF4-FFF2-40B4-BE49-F238E27FC236}">
+                <a16:creationId xmlns:a16="http://schemas.microsoft.com/office/drawing/2014/main" id="{C5E36948-56FB-7C42-AF52-722F79A50CB8}"/>
+              </a:ext>
+            </a:extLst>
+          </p:cNvPr>
+          <p:cNvPicPr>
+            <a:picLocks noGrp="1" noChangeAspect="1"/>
+          </p:cNvPicPr>
+          <p:nvPr>
+            <p:ph sz="half" idx="2"/>
+          </p:nvPr>
+        </p:nvPicPr>
+        <p:blipFill>
+          <a:blip r:embed="rId2"/>
+          <a:stretch>
+            <a:fillRect/>
+          </a:stretch>
+        </p:blipFill>
+        <p:spPr>
+          <a:xfrm>
+            <a:off x="6623744" y="1825625"/>
+            <a:ext cx="4278512" cy="4351338"/>
+          </a:xfrm>
+        </p:spPr>
+      </p:pic>
+    </p:spTree>
+    <p:extLst>
+      <p:ext uri="{BB962C8B-B14F-4D97-AF65-F5344CB8AC3E}">
+        <p14:creationId xmlns:p14="http://schemas.microsoft.com/office/powerpoint/2010/main" val="99321231"/>
       </p:ext>
     </p:extLst>
   </p:cSld>
@@ -6418,7 +8058,7 @@
           <a:p>
             <a:r>
               <a:rPr lang="en-US" dirty="0"/>
-              <a:t>The raven</a:t>
+              <a:t>Rhyme constructs meaning</a:t>
             </a:r>
           </a:p>
         </p:txBody>
@@ -6526,20 +8166,119 @@
             <p:ph idx="1"/>
           </p:nvPr>
         </p:nvSpPr>
-        <p:spPr/>
-        <p:txBody>
-          <a:bodyPr/>
-          <a:lstStyle/>
-          <a:p>
-            <a:r>
-              <a:rPr lang="en-US" dirty="0"/>
-              <a:t>Perfect rhyme: last stressed vowel of the line and all following sounds</a:t>
-            </a:r>
-          </a:p>
-          <a:p>
-            <a:r>
-              <a:rPr lang="en-US" dirty="0"/>
-              <a:t>Imperfect, approximate, near, slant</a:t>
+        <p:spPr>
+          <a:xfrm>
+            <a:off x="838200" y="1825625"/>
+            <a:ext cx="10515600" cy="4817222"/>
+          </a:xfrm>
+        </p:spPr>
+        <p:txBody>
+          <a:bodyPr>
+            <a:normAutofit/>
+          </a:bodyPr>
+          <a:lstStyle/>
+          <a:p>
+            <a:r>
+              <a:rPr lang="en-US" dirty="0"/>
+              <a:t>Perfect, exact</a:t>
+            </a:r>
+          </a:p>
+          <a:p>
+            <a:pPr lvl="1"/>
+            <a:r>
+              <a:rPr lang="en-US" dirty="0"/>
+              <a:t>Last stressed vowel of the line and all following sounds</a:t>
+            </a:r>
+          </a:p>
+          <a:p>
+            <a:pPr lvl="1"/>
+            <a:r>
+              <a:rPr lang="en-US" dirty="0"/>
+              <a:t>day ~ May [</a:t>
+            </a:r>
+            <a:r>
+              <a:rPr lang="en-US" dirty="0" err="1"/>
+              <a:t>d</a:t>
+            </a:r>
+            <a:r>
+              <a:rPr lang="en-US" dirty="0" err="1">
+                <a:highlight>
+                  <a:srgbClr val="00FFFF"/>
+                </a:highlight>
+              </a:rPr>
+              <a:t>eɪ</a:t>
+            </a:r>
+            <a:r>
+              <a:rPr lang="en-US" dirty="0"/>
+              <a:t>] ~ [</a:t>
+            </a:r>
+            <a:r>
+              <a:rPr lang="en-US" dirty="0" err="1"/>
+              <a:t>m</a:t>
+            </a:r>
+            <a:r>
+              <a:rPr lang="en-US" dirty="0" err="1">
+                <a:highlight>
+                  <a:srgbClr val="00FFFF"/>
+                </a:highlight>
+              </a:rPr>
+              <a:t>eɪ</a:t>
+            </a:r>
+            <a:r>
+              <a:rPr lang="en-US" dirty="0"/>
+              <a:t>]</a:t>
+            </a:r>
+          </a:p>
+          <a:p>
+            <a:r>
+              <a:rPr lang="en-US" dirty="0"/>
+              <a:t>Imperfect, approximate, near, slant, inexact</a:t>
+            </a:r>
+          </a:p>
+          <a:p>
+            <a:pPr lvl="1"/>
+            <a:r>
+              <a:rPr lang="en-US" dirty="0"/>
+              <a:t>Incomplete phonetic similarity</a:t>
+            </a:r>
+          </a:p>
+          <a:p>
+            <a:pPr lvl="1"/>
+            <a:r>
+              <a:rPr lang="en-US" dirty="0"/>
+              <a:t>temperate ~ date [ˈ</a:t>
+            </a:r>
+            <a:r>
+              <a:rPr lang="en-US" dirty="0" err="1"/>
+              <a:t>tɛmpərɪ</a:t>
+            </a:r>
+            <a:r>
+              <a:rPr lang="en-US" dirty="0" err="1">
+                <a:highlight>
+                  <a:srgbClr val="00FFFF"/>
+                </a:highlight>
+              </a:rPr>
+              <a:t>t</a:t>
+            </a:r>
+            <a:r>
+              <a:rPr lang="en-US" dirty="0"/>
+              <a:t>] ~ [</a:t>
+            </a:r>
+            <a:r>
+              <a:rPr lang="en-US" dirty="0" err="1"/>
+              <a:t>deɪ</a:t>
+            </a:r>
+            <a:r>
+              <a:rPr lang="en-US" dirty="0" err="1">
+                <a:highlight>
+                  <a:srgbClr val="00FFFF"/>
+                </a:highlight>
+              </a:rPr>
+              <a:t>t</a:t>
+            </a:r>
+            <a:r>
+              <a:rPr lang="en-US" dirty="0"/>
+              <a:t>]</a:t>
             </a:r>
           </a:p>
           <a:p>
@@ -6549,6 +8288,9 @@
             </a:r>
           </a:p>
           <a:p>
+            <a:pPr marL="457200" lvl="1" indent="0">
+              <a:buNone/>
+            </a:pPr>
             <a:r>
               <a:rPr lang="en-US" dirty="0"/>
               <a:t>Shall I compare thee to a summer’s </a:t>
@@ -6639,7 +8381,7 @@
 </file>
 
 <file path=ppt/slides/slide6.xml><?xml version="1.0" encoding="utf-8"?>
-<p:sld xmlns:a="http://schemas.openxmlformats.org/drawingml/2006/main" xmlns:r="http://schemas.openxmlformats.org/officeDocument/2006/relationships" xmlns:p="http://schemas.openxmlformats.org/presentationml/2006/main">
+<p:sld xmlns:a="http://schemas.openxmlformats.org/drawingml/2006/main" xmlns:r="http://schemas.openxmlformats.org/officeDocument/2006/relationships" xmlns:p="http://schemas.openxmlformats.org/presentationml/2006/main" show="0">
   <p:cSld>
     <p:spTree>
       <p:nvGrpSpPr>
@@ -6657,13 +8399,7 @@
       </p:grpSpPr>
       <p:sp>
         <p:nvSpPr>
-          <p:cNvPr id="2" name="Title 1">
-            <a:extLst>
-              <a:ext uri="{FF2B5EF4-FFF2-40B4-BE49-F238E27FC236}">
-                <a16:creationId xmlns:a16="http://schemas.microsoft.com/office/drawing/2014/main" id="{641A6C8C-84DE-7649-BFC7-90B954761F65}"/>
-              </a:ext>
-            </a:extLst>
-          </p:cNvPr>
+          <p:cNvPr id="2" name="Title 1"/>
           <p:cNvSpPr>
             <a:spLocks noGrp="1"/>
           </p:cNvSpPr>
@@ -6676,22 +8412,21 @@
           <a:bodyPr/>
           <a:lstStyle/>
           <a:p>
-            <a:r>
-              <a:rPr lang="en-US" dirty="0"/>
-              <a:t>What makes a rhyme?</a:t>
-            </a:r>
-          </a:p>
-        </p:txBody>
-      </p:sp>
-      <p:sp>
-        <p:nvSpPr>
-          <p:cNvPr id="3" name="Content Placeholder 2">
-            <a:extLst>
-              <a:ext uri="{FF2B5EF4-FFF2-40B4-BE49-F238E27FC236}">
-                <a16:creationId xmlns:a16="http://schemas.microsoft.com/office/drawing/2014/main" id="{78F66457-A3DF-894D-8D92-BA72BA4C5868}"/>
-              </a:ext>
-            </a:extLst>
-          </p:cNvPr>
+            <a:pPr lvl="0">
+              <a:lnSpc>
+                <a:spcPct val="120000"/>
+              </a:lnSpc>
+            </a:pPr>
+            <a:r>
+              <a:rPr lang="en-US" dirty="0"/>
+              <a:t>Degrees of rhyme</a:t>
+            </a:r>
+          </a:p>
+        </p:txBody>
+      </p:sp>
+      <p:sp>
+        <p:nvSpPr>
+          <p:cNvPr id="3" name="Content Placeholder 2"/>
           <p:cNvSpPr>
             <a:spLocks noGrp="1"/>
           </p:cNvSpPr>
@@ -6699,34 +8434,440 @@
             <p:ph idx="1"/>
           </p:nvPr>
         </p:nvSpPr>
-        <p:spPr/>
-        <p:txBody>
-          <a:bodyPr/>
-          <a:lstStyle/>
-          <a:p>
-            <a:r>
-              <a:rPr lang="en-US" dirty="0"/>
-              <a:t>Phonetic similarity</a:t>
-            </a:r>
-          </a:p>
-          <a:p>
-            <a:r>
-              <a:rPr lang="en-US" dirty="0"/>
-              <a:t>Proximity</a:t>
-            </a:r>
-          </a:p>
-          <a:p>
-            <a:r>
-              <a:rPr lang="en-US" dirty="0"/>
-              <a:t>Expectation (rhyme scheme)</a:t>
-            </a:r>
+        <p:spPr>
+          <a:xfrm>
+            <a:off x="838200" y="1322059"/>
+            <a:ext cx="10336306" cy="5008563"/>
+          </a:xfrm>
+        </p:spPr>
+        <p:txBody>
+          <a:bodyPr vert="horz" lIns="91440" tIns="45720" rIns="91440" bIns="45720" rtlCol="0" anchor="t">
+            <a:normAutofit fontScale="92500" lnSpcReduction="20000"/>
+          </a:bodyPr>
+          <a:lstStyle/>
+          <a:p>
+            <a:pPr>
+              <a:lnSpc>
+                <a:spcPct val="120000"/>
+              </a:lnSpc>
+            </a:pPr>
+            <a:r>
+              <a:rPr lang="en-US" sz="2000" dirty="0"/>
+              <a:t>Paired words end with same sounds </a:t>
+            </a:r>
+          </a:p>
+          <a:p>
+            <a:pPr lvl="1">
+              <a:lnSpc>
+                <a:spcPct val="120000"/>
+              </a:lnSpc>
+            </a:pPr>
+            <a:r>
+              <a:rPr lang="en-US" sz="2000" dirty="0"/>
+              <a:t>(19</a:t>
+            </a:r>
+            <a:r>
+              <a:rPr lang="en-US" sz="2000" baseline="30000" dirty="0"/>
+              <a:t>th</a:t>
+            </a:r>
+            <a:r>
+              <a:rPr lang="en-US" sz="2000" dirty="0"/>
+              <a:t>-century standard for “exact” rhyme)</a:t>
+            </a:r>
+            <a:endParaRPr sz="2000" dirty="0"/>
+          </a:p>
+          <a:p>
+            <a:pPr>
+              <a:lnSpc>
+                <a:spcPct val="120000"/>
+              </a:lnSpc>
+            </a:pPr>
+            <a:r>
+              <a:rPr lang="en-US" sz="2000" dirty="0"/>
+              <a:t>Paired words end with sounds within short substitution edit distance</a:t>
+            </a:r>
+          </a:p>
+          <a:p>
+            <a:pPr lvl="1">
+              <a:lnSpc>
+                <a:spcPct val="120000"/>
+              </a:lnSpc>
+            </a:pPr>
+            <a:r>
+              <a:rPr lang="en-US" sz="2000" i="1" dirty="0" err="1"/>
+              <a:t>ljub</a:t>
+            </a:r>
+            <a:r>
+              <a:rPr lang="en-US" sz="2000" i="1" u="sng" dirty="0" err="1">
+                <a:solidFill>
+                  <a:srgbClr val="0070C0"/>
+                </a:solidFill>
+              </a:rPr>
+              <a:t>lj</a:t>
+            </a:r>
+            <a:r>
+              <a:rPr lang="en-US" sz="2000" i="1" dirty="0" err="1">
+                <a:solidFill>
+                  <a:srgbClr val="FF0000"/>
+                </a:solidFill>
+              </a:rPr>
+              <a:t>u</a:t>
+            </a:r>
+            <a:r>
+              <a:rPr lang="en-US" sz="2000" dirty="0"/>
+              <a:t> ~ </a:t>
+            </a:r>
+            <a:r>
+              <a:rPr lang="en-US" sz="2000" i="1" dirty="0" err="1"/>
+              <a:t>mo</a:t>
+            </a:r>
+            <a:r>
+              <a:rPr lang="en-US" sz="2000" i="1" u="sng" dirty="0" err="1">
+                <a:solidFill>
+                  <a:srgbClr val="0070C0"/>
+                </a:solidFill>
+              </a:rPr>
+              <a:t>j</a:t>
+            </a:r>
+            <a:r>
+              <a:rPr lang="en-US" sz="2000" i="1" dirty="0" err="1">
+                <a:solidFill>
+                  <a:srgbClr val="FF0000"/>
+                </a:solidFill>
+              </a:rPr>
+              <a:t>u</a:t>
+            </a:r>
+            <a:endParaRPr lang="en-US" sz="2000" i="1" dirty="0">
+              <a:solidFill>
+                <a:srgbClr val="FF0000"/>
+              </a:solidFill>
+            </a:endParaRPr>
+          </a:p>
+          <a:p>
+            <a:pPr>
+              <a:lnSpc>
+                <a:spcPct val="120000"/>
+              </a:lnSpc>
+            </a:pPr>
+            <a:r>
+              <a:rPr lang="en-US" sz="2000" dirty="0"/>
+              <a:t>Paired words end with sounds within short edit distance of another kind</a:t>
+            </a:r>
+          </a:p>
+          <a:p>
+            <a:pPr lvl="1">
+              <a:lnSpc>
+                <a:spcPct val="120000"/>
+              </a:lnSpc>
+            </a:pPr>
+            <a:r>
+              <a:rPr lang="en-US" sz="2000" i="1" dirty="0" err="1"/>
+              <a:t>pros</a:t>
+            </a:r>
+            <a:r>
+              <a:rPr lang="en-US" sz="2000" i="1" dirty="0" err="1">
+                <a:solidFill>
+                  <a:srgbClr val="FF0000"/>
+                </a:solidFill>
+              </a:rPr>
+              <a:t>a</a:t>
+            </a:r>
+            <a:r>
+              <a:rPr lang="en-US" sz="2000" i="1" dirty="0" err="1"/>
+              <a:t>k</a:t>
+            </a:r>
+            <a:r>
+              <a:rPr lang="en-US" sz="2000" i="1" dirty="0"/>
+              <a:t> ~ </a:t>
+            </a:r>
+            <a:r>
+              <a:rPr lang="en-US" sz="2000" i="1" dirty="0" err="1"/>
+              <a:t>pros</a:t>
+            </a:r>
+            <a:r>
+              <a:rPr lang="en-US" sz="2000" i="1" u="sng" dirty="0" err="1">
+                <a:solidFill>
+                  <a:srgbClr val="0070C0"/>
+                </a:solidFill>
+              </a:rPr>
+              <a:t>t</a:t>
+            </a:r>
+            <a:r>
+              <a:rPr lang="en-US" sz="2000" i="1" dirty="0" err="1">
+                <a:solidFill>
+                  <a:srgbClr val="FF0000"/>
+                </a:solidFill>
+              </a:rPr>
+              <a:t>a</a:t>
+            </a:r>
+            <a:r>
+              <a:rPr lang="en-US" sz="2000" i="1" dirty="0" err="1"/>
+              <a:t>k</a:t>
+            </a:r>
+            <a:endParaRPr lang="en-US" sz="2000" i="1" dirty="0"/>
+          </a:p>
+          <a:p>
+            <a:pPr lvl="1">
+              <a:lnSpc>
+                <a:spcPct val="120000"/>
+              </a:lnSpc>
+            </a:pPr>
+            <a:r>
+              <a:rPr lang="en-US" sz="2000" i="1" dirty="0" err="1"/>
+              <a:t>g</a:t>
+            </a:r>
+            <a:r>
+              <a:rPr lang="en-US" sz="2000" i="1" dirty="0" err="1">
+                <a:solidFill>
+                  <a:srgbClr val="FF0000"/>
+                </a:solidFill>
+              </a:rPr>
+              <a:t>o</a:t>
+            </a:r>
+            <a:r>
+              <a:rPr lang="en-US" sz="2000" i="1" dirty="0" err="1"/>
+              <a:t>r</a:t>
+            </a:r>
+            <a:r>
+              <a:rPr lang="en-US" sz="2000" i="1" u="sng" dirty="0" err="1">
+                <a:solidFill>
+                  <a:srgbClr val="0070C0"/>
+                </a:solidFill>
+              </a:rPr>
+              <a:t>o</a:t>
+            </a:r>
+            <a:r>
+              <a:rPr lang="en-US" sz="2000" i="1" dirty="0" err="1"/>
+              <a:t>da</a:t>
+            </a:r>
+            <a:r>
+              <a:rPr lang="en-US" sz="2000" dirty="0"/>
+              <a:t> ~ </a:t>
+            </a:r>
+            <a:r>
+              <a:rPr lang="en-US" sz="2000" i="1" dirty="0" err="1"/>
+              <a:t>m</a:t>
+            </a:r>
+            <a:r>
+              <a:rPr lang="en-US" sz="2000" i="1" dirty="0" err="1">
+                <a:solidFill>
+                  <a:srgbClr val="FF0000"/>
+                </a:solidFill>
+              </a:rPr>
+              <a:t>o</a:t>
+            </a:r>
+            <a:r>
+              <a:rPr lang="en-US" sz="2000" i="1" dirty="0" err="1"/>
+              <a:t>rda</a:t>
+            </a:r>
+            <a:r>
+              <a:rPr lang="en-US" sz="2000" i="1" dirty="0"/>
+              <a:t> </a:t>
+            </a:r>
+            <a:r>
+              <a:rPr lang="en-US" sz="2000" dirty="0"/>
+              <a:t>(different syllabicity)</a:t>
+            </a:r>
+            <a:endParaRPr lang="en-US" sz="2000" i="1" dirty="0"/>
+          </a:p>
+          <a:p>
+            <a:pPr>
+              <a:lnSpc>
+                <a:spcPct val="120000"/>
+              </a:lnSpc>
+            </a:pPr>
+            <a:r>
+              <a:rPr lang="en-US" sz="2000" dirty="0"/>
+              <a:t>Paired words have longer edit distance</a:t>
+            </a:r>
+          </a:p>
+          <a:p>
+            <a:pPr lvl="1">
+              <a:lnSpc>
+                <a:spcPct val="120000"/>
+              </a:lnSpc>
+            </a:pPr>
+            <a:r>
+              <a:rPr lang="en-US" sz="2000" i="1" dirty="0" err="1"/>
+              <a:t>čerd</a:t>
+            </a:r>
+            <a:r>
+              <a:rPr lang="en-US" sz="2000" i="1" dirty="0" err="1">
+                <a:solidFill>
+                  <a:srgbClr val="FF0000"/>
+                </a:solidFill>
+              </a:rPr>
+              <a:t>a</a:t>
+            </a:r>
+            <a:r>
+              <a:rPr lang="en-US" sz="2000" i="1" dirty="0" err="1">
+                <a:solidFill>
+                  <a:srgbClr val="000000"/>
+                </a:solidFill>
+              </a:rPr>
+              <a:t>k</a:t>
+            </a:r>
+            <a:r>
+              <a:rPr lang="en-US" sz="2000" dirty="0"/>
+              <a:t> ~ </a:t>
+            </a:r>
+            <a:r>
+              <a:rPr lang="en-US" sz="2000" i="1" dirty="0" err="1"/>
+              <a:t>če</a:t>
+            </a:r>
+            <a:r>
+              <a:rPr lang="en-US" sz="2000" i="1" u="sng" dirty="0" err="1">
+                <a:solidFill>
+                  <a:srgbClr val="0070C0"/>
+                </a:solidFill>
+              </a:rPr>
+              <a:t>xa</a:t>
+            </a:r>
+            <a:r>
+              <a:rPr lang="en-US" sz="2000" i="1" dirty="0" err="1"/>
+              <a:t>rd</a:t>
+            </a:r>
+            <a:r>
+              <a:rPr lang="en-US" sz="2000" i="1" dirty="0" err="1">
+                <a:solidFill>
+                  <a:srgbClr val="FF0000"/>
+                </a:solidFill>
+              </a:rPr>
+              <a:t>a</a:t>
+            </a:r>
+            <a:r>
+              <a:rPr sz="2000" dirty="0"/>
+              <a:t> </a:t>
+            </a:r>
+          </a:p>
+          <a:p>
+            <a:pPr>
+              <a:lnSpc>
+                <a:spcPct val="120000"/>
+              </a:lnSpc>
+            </a:pPr>
+            <a:r>
+              <a:rPr lang="en-US" sz="2000" dirty="0"/>
+              <a:t>Paired words have shared consonance before final stressed vowel (enrichment)</a:t>
+            </a:r>
+            <a:endParaRPr sz="2000" dirty="0"/>
+          </a:p>
+          <a:p>
+            <a:pPr lvl="1">
+              <a:lnSpc>
+                <a:spcPct val="120000"/>
+              </a:lnSpc>
+            </a:pPr>
+            <a:r>
+              <a:rPr sz="2000" i="1" dirty="0"/>
+              <a:t>sk</a:t>
+            </a:r>
+            <a:r>
+              <a:rPr sz="2000" i="1" dirty="0">
+                <a:solidFill>
+                  <a:srgbClr val="FF0000"/>
+                </a:solidFill>
+              </a:rPr>
+              <a:t>o</a:t>
+            </a:r>
+            <a:r>
+              <a:rPr sz="2000" i="1" dirty="0"/>
+              <a:t>l</a:t>
+            </a:r>
+            <a:r>
+              <a:rPr lang="en-US" sz="2000" i="1" dirty="0"/>
+              <a:t>′ko </a:t>
+            </a:r>
+            <a:r>
+              <a:rPr lang="en-US" sz="2000" i="1" dirty="0">
+                <a:solidFill>
+                  <a:srgbClr val="FF0000"/>
+                </a:solidFill>
+              </a:rPr>
+              <a:t>i</a:t>
+            </a:r>
+            <a:r>
+              <a:rPr lang="en-US" sz="2000" i="1" dirty="0"/>
+              <a:t>m</a:t>
+            </a:r>
+            <a:r>
+              <a:rPr lang="en-US" sz="2000" dirty="0"/>
+              <a:t> ~ </a:t>
+            </a:r>
+            <a:r>
+              <a:rPr lang="en-US" sz="2000" i="1" dirty="0"/>
+              <a:t>koka</a:t>
+            </a:r>
+            <a:r>
+              <a:rPr lang="en-US" sz="2000" i="1" dirty="0">
+                <a:solidFill>
+                  <a:srgbClr val="FF0000"/>
+                </a:solidFill>
+              </a:rPr>
+              <a:t>i</a:t>
+            </a:r>
+            <a:r>
+              <a:rPr lang="en-US" sz="2000" i="1" dirty="0"/>
+              <a:t>n</a:t>
+            </a:r>
+          </a:p>
+          <a:p>
+            <a:pPr>
+              <a:lnSpc>
+                <a:spcPct val="120000"/>
+              </a:lnSpc>
+            </a:pPr>
+            <a:r>
+              <a:rPr lang="en-US" sz="2000" dirty="0"/>
+              <a:t>Dissonance (final stressed vowels do not match)</a:t>
+            </a:r>
+          </a:p>
+          <a:p>
+            <a:pPr lvl="1">
+              <a:lnSpc>
+                <a:spcPct val="120000"/>
+              </a:lnSpc>
+            </a:pPr>
+            <a:r>
+              <a:rPr lang="en-US" sz="2000" i="1" dirty="0" err="1"/>
+              <a:t>R</a:t>
+            </a:r>
+            <a:r>
+              <a:rPr lang="en-US" sz="2000" i="1" u="sng" dirty="0" err="1">
+                <a:solidFill>
+                  <a:srgbClr val="FF0000"/>
+                </a:solidFill>
+              </a:rPr>
+              <a:t>a</a:t>
+            </a:r>
+            <a:r>
+              <a:rPr lang="en-US" sz="2000" i="1" dirty="0" err="1"/>
+              <a:t>jner</a:t>
+            </a:r>
+            <a:r>
+              <a:rPr lang="en-US" sz="2000" dirty="0"/>
+              <a:t> ~ </a:t>
+            </a:r>
+            <a:r>
+              <a:rPr lang="en-US" sz="2000" i="1" u="sng" dirty="0" err="1">
+                <a:solidFill>
+                  <a:srgbClr val="FF0000"/>
+                </a:solidFill>
+              </a:rPr>
+              <a:t>u</a:t>
+            </a:r>
+            <a:r>
+              <a:rPr lang="en-US" sz="2000" i="1" dirty="0" err="1"/>
+              <a:t>mer</a:t>
+            </a:r>
+            <a:endParaRPr lang="en-US" sz="2000" dirty="0"/>
           </a:p>
         </p:txBody>
       </p:sp>
     </p:spTree>
     <p:extLst>
       <p:ext uri="{BB962C8B-B14F-4D97-AF65-F5344CB8AC3E}">
-        <p14:creationId xmlns:p14="http://schemas.microsoft.com/office/powerpoint/2010/main" val="4172856821"/>
+        <p14:creationId xmlns:p14="http://schemas.microsoft.com/office/powerpoint/2010/main" val="1925113639"/>
       </p:ext>
     </p:extLst>
   </p:cSld>
@@ -6758,7 +8899,7 @@
           <p:cNvPr id="2" name="Title 1">
             <a:extLst>
               <a:ext uri="{FF2B5EF4-FFF2-40B4-BE49-F238E27FC236}">
-                <a16:creationId xmlns:a16="http://schemas.microsoft.com/office/drawing/2014/main" id="{16B103B0-045B-704A-B01A-F5A33E8B4E0E}"/>
+                <a16:creationId xmlns:a16="http://schemas.microsoft.com/office/drawing/2014/main" id="{641A6C8C-84DE-7649-BFC7-90B954761F65}"/>
               </a:ext>
             </a:extLst>
           </p:cNvPr>
@@ -6776,7 +8917,7 @@
           <a:p>
             <a:r>
               <a:rPr lang="en-US" dirty="0"/>
-              <a:t>Russian rhyme historiography</a:t>
+              <a:t>What makes a rhyme?</a:t>
             </a:r>
           </a:p>
         </p:txBody>
@@ -6786,7 +8927,7 @@
           <p:cNvPr id="3" name="Content Placeholder 2">
             <a:extLst>
               <a:ext uri="{FF2B5EF4-FFF2-40B4-BE49-F238E27FC236}">
-                <a16:creationId xmlns:a16="http://schemas.microsoft.com/office/drawing/2014/main" id="{9C7FA67F-74F8-BC43-A907-705846D1F1E9}"/>
+                <a16:creationId xmlns:a16="http://schemas.microsoft.com/office/drawing/2014/main" id="{78F66457-A3DF-894D-8D92-BA72BA4C5868}"/>
               </a:ext>
             </a:extLst>
           </p:cNvPr>
@@ -6802,124 +8943,45 @@
           <a:bodyPr/>
           <a:lstStyle/>
           <a:p>
-            <a:pPr>
-              <a:lnSpc>
-                <a:spcPct val="100000"/>
-              </a:lnSpc>
+            <a:r>
+              <a:rPr lang="en-US" dirty="0"/>
+              <a:t>Features of the rhyming lines</a:t>
+            </a:r>
+          </a:p>
+          <a:p>
+            <a:pPr marL="914400" lvl="1" indent="-457200">
+              <a:buFont typeface="+mj-lt"/>
+              <a:buAutoNum type="arabicPeriod"/>
             </a:pPr>
             <a:r>
               <a:rPr lang="en-US" dirty="0"/>
-              <a:t>Viktor </a:t>
-            </a:r>
-            <a:r>
-              <a:rPr lang="en-US" dirty="0" err="1"/>
-              <a:t>Žirmunskij</a:t>
-            </a:r>
-            <a:r>
-              <a:rPr lang="en-US" dirty="0"/>
-              <a:t> (1923): standard for rhyme becomes progressively freer </a:t>
-            </a:r>
-          </a:p>
-          <a:p>
-            <a:pPr>
-              <a:lnSpc>
-                <a:spcPct val="100000"/>
-              </a:lnSpc>
+              <a:t>Phonetic similarity</a:t>
+            </a:r>
+          </a:p>
+          <a:p>
+            <a:pPr marL="914400" lvl="1" indent="-457200">
+              <a:buFont typeface="+mj-lt"/>
+              <a:buAutoNum type="arabicPeriod"/>
             </a:pPr>
             <a:r>
-              <a:rPr lang="en-US" dirty="0" err="1"/>
-              <a:t>Valerij</a:t>
-            </a:r>
-            <a:r>
-              <a:rPr lang="en-US" dirty="0"/>
-              <a:t> </a:t>
-            </a:r>
-            <a:r>
-              <a:rPr lang="en-US" dirty="0" err="1"/>
-              <a:t>Brjusov</a:t>
-            </a:r>
-            <a:r>
-              <a:rPr lang="en-US" dirty="0"/>
-              <a:t> (1924): the domain of rhyme shifts, and is no longer located entirely in the ending</a:t>
-            </a:r>
-          </a:p>
-          <a:p>
-            <a:pPr>
-              <a:lnSpc>
-                <a:spcPct val="100000"/>
-              </a:lnSpc>
+              <a:rPr lang="en-US" dirty="0"/>
+              <a:t>Proximity</a:t>
+            </a:r>
+          </a:p>
+          <a:p>
+            <a:r>
+              <a:rPr lang="en-US" dirty="0"/>
+              <a:t>Features of the poem as a whole</a:t>
+            </a:r>
+          </a:p>
+          <a:p>
+            <a:pPr marL="914400" lvl="1" indent="-457200">
+              <a:buFont typeface="+mj-lt"/>
+              <a:buAutoNum type="arabicPeriod" startAt="3"/>
             </a:pPr>
             <a:r>
-              <a:rPr lang="en-US" dirty="0" err="1"/>
-              <a:t>Mixail</a:t>
-            </a:r>
-            <a:r>
-              <a:rPr lang="en-US" dirty="0"/>
-              <a:t> </a:t>
-            </a:r>
-            <a:r>
-              <a:rPr lang="en-US" dirty="0" err="1"/>
-              <a:t>Gasparov</a:t>
-            </a:r>
-            <a:r>
-              <a:rPr lang="en-US" dirty="0"/>
-              <a:t> (1984): taxonomy of rhyme types, e.g., “near vowels (</a:t>
-            </a:r>
-            <a:r>
-              <a:rPr lang="en-US" i="1" dirty="0" err="1"/>
-              <a:t>pena-seno</a:t>
-            </a:r>
-            <a:r>
-              <a:rPr lang="en-US" dirty="0"/>
-              <a:t>, </a:t>
-            </a:r>
-            <a:r>
-              <a:rPr lang="en-US" i="1" dirty="0" err="1"/>
-              <a:t>pene-seni</a:t>
-            </a:r>
-            <a:r>
-              <a:rPr lang="en-US" dirty="0"/>
-              <a:t>), jotation (</a:t>
-            </a:r>
-            <a:r>
-              <a:rPr lang="en-US" i="1" dirty="0" err="1"/>
-              <a:t>teni-genij</a:t>
-            </a:r>
-            <a:r>
-              <a:rPr lang="en-US" dirty="0"/>
-              <a:t>, </a:t>
-            </a:r>
-            <a:r>
-              <a:rPr lang="en-US" i="1" dirty="0" err="1"/>
-              <a:t>pene-genij</a:t>
-            </a:r>
-            <a:r>
-              <a:rPr lang="en-US" dirty="0"/>
-              <a:t>), inexact completion (</a:t>
-            </a:r>
-            <a:r>
-              <a:rPr lang="en-US" i="1" dirty="0" err="1"/>
-              <a:t>teni-smenit</a:t>
-            </a:r>
-            <a:r>
-              <a:rPr lang="en-US" dirty="0"/>
-              <a:t>), inexact substitution (</a:t>
-            </a:r>
-            <a:r>
-              <a:rPr lang="en-US" i="1" dirty="0" err="1"/>
-              <a:t>teni</a:t>
-            </a:r>
-            <a:r>
-              <a:rPr lang="en-US" dirty="0"/>
-              <a:t>, </a:t>
-            </a:r>
-            <a:r>
-              <a:rPr lang="en-US" i="1" dirty="0" err="1"/>
-              <a:t>temi</a:t>
-            </a:r>
-            <a:r>
-              <a:rPr lang="en-US" dirty="0"/>
-              <a:t>)” </a:t>
+              <a:rPr lang="en-US" dirty="0"/>
+              <a:t>Expectation (rhyme scheme)</a:t>
             </a:r>
           </a:p>
         </p:txBody>
@@ -6927,7 +8989,7 @@
     </p:spTree>
     <p:extLst>
       <p:ext uri="{BB962C8B-B14F-4D97-AF65-F5344CB8AC3E}">
-        <p14:creationId xmlns:p14="http://schemas.microsoft.com/office/powerpoint/2010/main" val="2747102935"/>
+        <p14:creationId xmlns:p14="http://schemas.microsoft.com/office/powerpoint/2010/main" val="4172856821"/>
       </p:ext>
     </p:extLst>
   </p:cSld>
@@ -6959,7 +9021,7 @@
           <p:cNvPr id="2" name="Title 1">
             <a:extLst>
               <a:ext uri="{FF2B5EF4-FFF2-40B4-BE49-F238E27FC236}">
-                <a16:creationId xmlns:a16="http://schemas.microsoft.com/office/drawing/2014/main" id="{97B148C1-D68F-0E4D-A8B6-2EA43F16B5EB}"/>
+                <a16:creationId xmlns:a16="http://schemas.microsoft.com/office/drawing/2014/main" id="{16B103B0-045B-704A-B01A-F5A33E8B4E0E}"/>
               </a:ext>
             </a:extLst>
           </p:cNvPr>
@@ -6977,7 +9039,7 @@
           <a:p>
             <a:r>
               <a:rPr lang="en-US" dirty="0"/>
-              <a:t>Characterizing rhyme</a:t>
+              <a:t>Russian rhyme historiography</a:t>
             </a:r>
           </a:p>
         </p:txBody>
@@ -6987,7 +9049,7 @@
           <p:cNvPr id="3" name="Content Placeholder 2">
             <a:extLst>
               <a:ext uri="{FF2B5EF4-FFF2-40B4-BE49-F238E27FC236}">
-                <a16:creationId xmlns:a16="http://schemas.microsoft.com/office/drawing/2014/main" id="{A808A18D-F364-9B4C-91B4-4A391E6199D5}"/>
+                <a16:creationId xmlns:a16="http://schemas.microsoft.com/office/drawing/2014/main" id="{9C7FA67F-74F8-BC43-A907-705846D1F1E9}"/>
               </a:ext>
             </a:extLst>
           </p:cNvPr>
@@ -7003,27 +9065,124 @@
           <a:bodyPr/>
           <a:lstStyle/>
           <a:p>
-            <a:r>
-              <a:rPr lang="en-US" dirty="0"/>
-              <a:t>Line (rhyme scheme)</a:t>
-            </a:r>
-          </a:p>
-          <a:p>
-            <a:r>
-              <a:rPr lang="en-US" dirty="0"/>
-              <a:t>Word (semantic associations)</a:t>
-            </a:r>
-          </a:p>
-          <a:p>
-            <a:r>
-              <a:rPr lang="en-US" dirty="0"/>
-              <a:t>Segment</a:t>
-            </a:r>
-          </a:p>
-          <a:p>
-            <a:r>
-              <a:rPr lang="en-US" dirty="0"/>
-              <a:t>Phonetic distinctive features</a:t>
+            <a:pPr>
+              <a:lnSpc>
+                <a:spcPct val="100000"/>
+              </a:lnSpc>
+            </a:pPr>
+            <a:r>
+              <a:rPr lang="en-US" dirty="0"/>
+              <a:t>Viktor </a:t>
+            </a:r>
+            <a:r>
+              <a:rPr lang="en-US" dirty="0" err="1"/>
+              <a:t>Žirmunskij</a:t>
+            </a:r>
+            <a:r>
+              <a:rPr lang="en-US" dirty="0"/>
+              <a:t> (1923): standard for rhyme becomes progressively freer </a:t>
+            </a:r>
+          </a:p>
+          <a:p>
+            <a:pPr>
+              <a:lnSpc>
+                <a:spcPct val="100000"/>
+              </a:lnSpc>
+            </a:pPr>
+            <a:r>
+              <a:rPr lang="en-US" dirty="0" err="1"/>
+              <a:t>Valerij</a:t>
+            </a:r>
+            <a:r>
+              <a:rPr lang="en-US" dirty="0"/>
+              <a:t> </a:t>
+            </a:r>
+            <a:r>
+              <a:rPr lang="en-US" dirty="0" err="1"/>
+              <a:t>Brjusov</a:t>
+            </a:r>
+            <a:r>
+              <a:rPr lang="en-US" dirty="0"/>
+              <a:t> (1924): the domain of rhyme shifts, and is no longer located entirely in the ending</a:t>
+            </a:r>
+          </a:p>
+          <a:p>
+            <a:pPr>
+              <a:lnSpc>
+                <a:spcPct val="100000"/>
+              </a:lnSpc>
+            </a:pPr>
+            <a:r>
+              <a:rPr lang="en-US" dirty="0" err="1"/>
+              <a:t>Mixail</a:t>
+            </a:r>
+            <a:r>
+              <a:rPr lang="en-US" dirty="0"/>
+              <a:t> </a:t>
+            </a:r>
+            <a:r>
+              <a:rPr lang="en-US" dirty="0" err="1"/>
+              <a:t>Gasparov</a:t>
+            </a:r>
+            <a:r>
+              <a:rPr lang="en-US" dirty="0"/>
+              <a:t> (1984): taxonomy of rhyme types, e.g., “near vowels (</a:t>
+            </a:r>
+            <a:r>
+              <a:rPr lang="en-US" i="1" dirty="0" err="1"/>
+              <a:t>pena-seno</a:t>
+            </a:r>
+            <a:r>
+              <a:rPr lang="en-US" dirty="0"/>
+              <a:t>, </a:t>
+            </a:r>
+            <a:r>
+              <a:rPr lang="en-US" i="1" dirty="0" err="1"/>
+              <a:t>pene-seni</a:t>
+            </a:r>
+            <a:r>
+              <a:rPr lang="en-US" dirty="0"/>
+              <a:t>), jotation (</a:t>
+            </a:r>
+            <a:r>
+              <a:rPr lang="en-US" i="1" dirty="0" err="1"/>
+              <a:t>teni-genij</a:t>
+            </a:r>
+            <a:r>
+              <a:rPr lang="en-US" dirty="0"/>
+              <a:t>, </a:t>
+            </a:r>
+            <a:r>
+              <a:rPr lang="en-US" i="1" dirty="0" err="1"/>
+              <a:t>pene-genij</a:t>
+            </a:r>
+            <a:r>
+              <a:rPr lang="en-US" dirty="0"/>
+              <a:t>), inexact completion (</a:t>
+            </a:r>
+            <a:r>
+              <a:rPr lang="en-US" i="1" dirty="0" err="1"/>
+              <a:t>teni-smenit</a:t>
+            </a:r>
+            <a:r>
+              <a:rPr lang="en-US" dirty="0"/>
+              <a:t>), inexact substitution (</a:t>
+            </a:r>
+            <a:r>
+              <a:rPr lang="en-US" i="1" dirty="0" err="1"/>
+              <a:t>teni</a:t>
+            </a:r>
+            <a:r>
+              <a:rPr lang="en-US" dirty="0"/>
+              <a:t>, </a:t>
+            </a:r>
+            <a:r>
+              <a:rPr lang="en-US" i="1" dirty="0" err="1"/>
+              <a:t>temi</a:t>
+            </a:r>
+            <a:r>
+              <a:rPr lang="en-US" dirty="0"/>
+              <a:t>), etc.” </a:t>
             </a:r>
           </a:p>
         </p:txBody>
@@ -7031,7 +9190,7 @@
     </p:spTree>
     <p:extLst>
       <p:ext uri="{BB962C8B-B14F-4D97-AF65-F5344CB8AC3E}">
-        <p14:creationId xmlns:p14="http://schemas.microsoft.com/office/powerpoint/2010/main" val="3721691250"/>
+        <p14:creationId xmlns:p14="http://schemas.microsoft.com/office/powerpoint/2010/main" val="2747102935"/>
       </p:ext>
     </p:extLst>
   </p:cSld>
@@ -7063,7 +9222,7 @@
           <p:cNvPr id="2" name="Title 1">
             <a:extLst>
               <a:ext uri="{FF2B5EF4-FFF2-40B4-BE49-F238E27FC236}">
-                <a16:creationId xmlns:a16="http://schemas.microsoft.com/office/drawing/2014/main" id="{D999F3D3-6711-C54B-8604-16600255B2D0}"/>
+                <a16:creationId xmlns:a16="http://schemas.microsoft.com/office/drawing/2014/main" id="{97B148C1-D68F-0E4D-A8B6-2EA43F16B5EB}"/>
               </a:ext>
             </a:extLst>
           </p:cNvPr>
@@ -7076,49 +9235,13 @@
         </p:nvSpPr>
         <p:spPr/>
         <p:txBody>
-          <a:bodyPr>
-            <a:normAutofit/>
-          </a:bodyPr>
-          <a:lstStyle/>
-          <a:p>
-            <a:pPr rtl="0" eaLnBrk="1" latinLnBrk="0" hangingPunct="1"/>
-            <a:r>
-              <a:rPr lang="en-US" sz="4400" kern="1200" dirty="0">
-                <a:solidFill>
-                  <a:schemeClr val="tx1"/>
-                </a:solidFill>
-                <a:effectLst/>
-                <a:latin typeface="+mj-lt"/>
-                <a:ea typeface="+mj-ea"/>
-                <a:cs typeface="+mj-cs"/>
-              </a:rPr>
-              <a:t>Topic:</a:t>
-            </a:r>
-            <a:r>
-              <a:rPr lang="en-US" sz="4400" kern="1200" baseline="0" dirty="0">
-                <a:solidFill>
-                  <a:schemeClr val="tx1"/>
-                </a:solidFill>
-                <a:effectLst/>
-                <a:latin typeface="+mj-lt"/>
-                <a:ea typeface="+mj-ea"/>
-                <a:cs typeface="+mj-cs"/>
-              </a:rPr>
-              <a:t> r</a:t>
-            </a:r>
-            <a:r>
-              <a:rPr lang="en-US" sz="4400" kern="1200" dirty="0">
-                <a:solidFill>
-                  <a:schemeClr val="tx1"/>
-                </a:solidFill>
-                <a:effectLst/>
-                <a:latin typeface="+mj-lt"/>
-                <a:ea typeface="+mj-ea"/>
-                <a:cs typeface="+mj-cs"/>
-              </a:rPr>
-              <a:t>esearch questions (general)</a:t>
-            </a:r>
-            <a:endParaRPr lang="en-US" dirty="0"/>
+          <a:bodyPr/>
+          <a:lstStyle/>
+          <a:p>
+            <a:r>
+              <a:rPr lang="en-US" dirty="0"/>
+              <a:t>Explorations of rhyme have relied on …</a:t>
+            </a:r>
           </a:p>
         </p:txBody>
       </p:sp>
@@ -7127,7 +9250,7 @@
           <p:cNvPr id="3" name="Content Placeholder 2">
             <a:extLst>
               <a:ext uri="{FF2B5EF4-FFF2-40B4-BE49-F238E27FC236}">
-                <a16:creationId xmlns:a16="http://schemas.microsoft.com/office/drawing/2014/main" id="{5C018466-9D07-C540-9516-5FA37971B240}"/>
+                <a16:creationId xmlns:a16="http://schemas.microsoft.com/office/drawing/2014/main" id="{A808A18D-F364-9B4C-91B4-4A391E6199D5}"/>
               </a:ext>
             </a:extLst>
           </p:cNvPr>
@@ -7143,104 +9266,49 @@
           <a:bodyPr/>
           <a:lstStyle/>
           <a:p>
-            <a:pPr>
-              <a:lnSpc>
-                <a:spcPct val="100000"/>
-              </a:lnSpc>
-            </a:pPr>
-            <a:r>
-              <a:rPr lang="en-US" dirty="0"/>
-              <a:t>Observation: Certain types of inexact rhyme have been permitted since the early nineteenth century, while others haven’t</a:t>
-            </a:r>
-          </a:p>
-          <a:p>
-            <a:pPr>
-              <a:lnSpc>
-                <a:spcPct val="100000"/>
-              </a:lnSpc>
-            </a:pPr>
-            <a:r>
-              <a:rPr lang="en-US" dirty="0"/>
-              <a:t>Does decomposition below the level of the segment help us distinguish inexact rhyme from non-rhyme?</a:t>
-            </a:r>
-          </a:p>
-          <a:p>
-            <a:pPr>
-              <a:lnSpc>
-                <a:spcPct val="100000"/>
-              </a:lnSpc>
-            </a:pPr>
-            <a:r>
-              <a:rPr lang="en-US" dirty="0"/>
-              <a:t>Can we extend the historiographic chain?</a:t>
-            </a:r>
-          </a:p>
-          <a:p>
-            <a:pPr lvl="1">
-              <a:lnSpc>
-                <a:spcPct val="100000"/>
-              </a:lnSpc>
-            </a:pPr>
-            <a:r>
-              <a:rPr lang="en-US" dirty="0"/>
-              <a:t>Progressive relaxation of strictures (</a:t>
-            </a:r>
-            <a:r>
-              <a:rPr lang="en-US" dirty="0" err="1"/>
-              <a:t>Žirmunskij</a:t>
-            </a:r>
-            <a:r>
-              <a:rPr lang="en-US" dirty="0"/>
-              <a:t>)</a:t>
-            </a:r>
-          </a:p>
-          <a:p>
-            <a:pPr lvl="1">
-              <a:lnSpc>
-                <a:spcPct val="100000"/>
-              </a:lnSpc>
-            </a:pPr>
-            <a:r>
-              <a:rPr lang="en-US" dirty="0"/>
-              <a:t>Extension of domain (</a:t>
-            </a:r>
-            <a:r>
-              <a:rPr lang="en-US" dirty="0" err="1"/>
-              <a:t>Brjusov</a:t>
-            </a:r>
-            <a:r>
-              <a:rPr lang="en-US" dirty="0"/>
-              <a:t>; segment as environment)</a:t>
-            </a:r>
-          </a:p>
-          <a:p>
-            <a:pPr lvl="1">
-              <a:lnSpc>
-                <a:spcPct val="100000"/>
-              </a:lnSpc>
-            </a:pPr>
-            <a:r>
-              <a:rPr lang="en-US" dirty="0"/>
-              <a:t>Taxonomy of inexactness (</a:t>
-            </a:r>
-            <a:r>
-              <a:rPr lang="en-US" dirty="0" err="1"/>
-              <a:t>Gasparov</a:t>
-            </a:r>
-            <a:r>
-              <a:rPr lang="en-US" dirty="0"/>
-              <a:t>; segment as unit of differentiation)</a:t>
-            </a:r>
-          </a:p>
-          <a:p>
-            <a:pPr lvl="1">
-              <a:lnSpc>
-                <a:spcPct val="100000"/>
-              </a:lnSpc>
-            </a:pPr>
-            <a:r>
-              <a:rPr lang="en-US" dirty="0"/>
-              <a:t>Are there patterns in inexactness at the level of distinctive features?</a:t>
+            <a:r>
+              <a:rPr lang="en-US" dirty="0"/>
+              <a:t>Structure</a:t>
+            </a:r>
+          </a:p>
+          <a:p>
+            <a:pPr lvl="1"/>
+            <a:r>
+              <a:rPr lang="en-US" dirty="0"/>
+              <a:t>Line (rhyme scheme)</a:t>
+            </a:r>
+          </a:p>
+          <a:p>
+            <a:r>
+              <a:rPr lang="en-US" dirty="0"/>
+              <a:t>Semantics</a:t>
+            </a:r>
+          </a:p>
+          <a:p>
+            <a:pPr lvl="1"/>
+            <a:r>
+              <a:rPr lang="en-US" dirty="0"/>
+              <a:t>Word (semantic associations)</a:t>
+            </a:r>
+          </a:p>
+          <a:p>
+            <a:r>
+              <a:rPr lang="en-US" dirty="0"/>
+              <a:t>Sound</a:t>
+            </a:r>
+          </a:p>
+          <a:p>
+            <a:pPr lvl="1"/>
+            <a:r>
+              <a:rPr lang="en-US" dirty="0"/>
+              <a:t>Segment</a:t>
+            </a:r>
+          </a:p>
+          <a:p>
+            <a:pPr lvl="1"/>
+            <a:r>
+              <a:rPr lang="en-US" i="1" dirty="0"/>
+              <a:t>Phonetic distinctive features</a:t>
             </a:r>
           </a:p>
         </p:txBody>
@@ -7248,7 +9316,7 @@
     </p:spTree>
     <p:extLst>
       <p:ext uri="{BB962C8B-B14F-4D97-AF65-F5344CB8AC3E}">
-        <p14:creationId xmlns:p14="http://schemas.microsoft.com/office/powerpoint/2010/main" val="1022701751"/>
+        <p14:creationId xmlns:p14="http://schemas.microsoft.com/office/powerpoint/2010/main" val="3721691250"/>
       </p:ext>
     </p:extLst>
   </p:cSld>
